--- a/Zwischenpräsentation.pptx
+++ b/Zwischenpräsentation.pptx
@@ -7,16 +7,19 @@
   <p:sldIdLst>
     <p:sldId id="256" r:id="rId5"/>
     <p:sldId id="257" r:id="rId6"/>
-    <p:sldId id="260" r:id="rId7"/>
-    <p:sldId id="261" r:id="rId8"/>
-    <p:sldId id="262" r:id="rId9"/>
-    <p:sldId id="263" r:id="rId10"/>
-    <p:sldId id="264" r:id="rId11"/>
-    <p:sldId id="258" r:id="rId12"/>
-    <p:sldId id="259" r:id="rId13"/>
-    <p:sldId id="265" r:id="rId14"/>
-    <p:sldId id="266" r:id="rId15"/>
-    <p:sldId id="267" r:id="rId16"/>
+    <p:sldId id="268" r:id="rId7"/>
+    <p:sldId id="271" r:id="rId8"/>
+    <p:sldId id="260" r:id="rId9"/>
+    <p:sldId id="261" r:id="rId10"/>
+    <p:sldId id="270" r:id="rId11"/>
+    <p:sldId id="262" r:id="rId12"/>
+    <p:sldId id="263" r:id="rId13"/>
+    <p:sldId id="264" r:id="rId14"/>
+    <p:sldId id="258" r:id="rId15"/>
+    <p:sldId id="259" r:id="rId16"/>
+    <p:sldId id="265" r:id="rId17"/>
+    <p:sldId id="266" r:id="rId18"/>
+    <p:sldId id="267" r:id="rId19"/>
   </p:sldIdLst>
   <p:sldSz cx="12192000" cy="6858000"/>
   <p:notesSz cx="6858000" cy="9144000"/>
@@ -115,6 +118,11 @@
       </a:defRPr>
     </a:lvl9pPr>
   </p:defaultTextStyle>
+  <p:extLst>
+    <p:ext uri="{EFAFB233-063F-42B5-8137-9DF3F51BA10A}">
+      <p15:sldGuideLst xmlns:p15="http://schemas.microsoft.com/office/powerpoint/2012/main"/>
+    </p:ext>
+  </p:extLst>
 </p:presentation>
 </file>
 
@@ -265,7 +273,7 @@
           <a:p>
             <a:fld id="{110B807C-7979-4136-B60A-1E2D17A4B826}" type="datetimeFigureOut">
               <a:rPr lang="de-DE" smtClean="0"/>
-              <a:t>09.10.2019</a:t>
+              <a:t>10.10.2019</a:t>
             </a:fld>
             <a:endParaRPr lang="de-DE"/>
           </a:p>
@@ -463,7 +471,7 @@
           <a:p>
             <a:fld id="{110B807C-7979-4136-B60A-1E2D17A4B826}" type="datetimeFigureOut">
               <a:rPr lang="de-DE" smtClean="0"/>
-              <a:t>09.10.2019</a:t>
+              <a:t>10.10.2019</a:t>
             </a:fld>
             <a:endParaRPr lang="de-DE"/>
           </a:p>
@@ -671,7 +679,7 @@
           <a:p>
             <a:fld id="{110B807C-7979-4136-B60A-1E2D17A4B826}" type="datetimeFigureOut">
               <a:rPr lang="de-DE" smtClean="0"/>
-              <a:t>09.10.2019</a:t>
+              <a:t>10.10.2019</a:t>
             </a:fld>
             <a:endParaRPr lang="de-DE"/>
           </a:p>
@@ -780,10 +788,18 @@
         <p:spPr/>
         <p:txBody>
           <a:bodyPr/>
-          <a:lstStyle/>
-          <a:p>
-            <a:r>
-              <a:rPr lang="de-DE"/>
+          <a:lstStyle>
+            <a:lvl1pPr>
+              <a:defRPr>
+                <a:solidFill>
+                  <a:srgbClr val="7030A0"/>
+                </a:solidFill>
+              </a:defRPr>
+            </a:lvl1pPr>
+          </a:lstStyle>
+          <a:p>
+            <a:r>
+              <a:rPr lang="de-DE" dirty="0"/>
               <a:t>Mastertitelformat bearbeiten</a:t>
             </a:r>
           </a:p>
@@ -865,13 +881,22 @@
         <p:spPr/>
         <p:txBody>
           <a:bodyPr/>
-          <a:lstStyle/>
+          <a:lstStyle>
+            <a:lvl1pPr>
+              <a:defRPr>
+                <a:solidFill>
+                  <a:srgbClr val="7030A0"/>
+                </a:solidFill>
+              </a:defRPr>
+            </a:lvl1pPr>
+          </a:lstStyle>
           <a:p>
             <a:fld id="{110B807C-7979-4136-B60A-1E2D17A4B826}" type="datetimeFigureOut">
               <a:rPr lang="de-DE" smtClean="0"/>
-              <a:t>09.10.2019</a:t>
+              <a:pPr/>
+              <a:t>10.10.2019</a:t>
             </a:fld>
-            <a:endParaRPr lang="de-DE"/>
+            <a:endParaRPr lang="de-DE" dirty="0"/>
           </a:p>
         </p:txBody>
       </p:sp>
@@ -894,9 +919,20 @@
         <p:spPr/>
         <p:txBody>
           <a:bodyPr/>
-          <a:lstStyle/>
-          <a:p>
-            <a:endParaRPr lang="de-DE"/>
+          <a:lstStyle>
+            <a:lvl1pPr>
+              <a:defRPr>
+                <a:solidFill>
+                  <a:srgbClr val="7030A0"/>
+                </a:solidFill>
+              </a:defRPr>
+            </a:lvl1pPr>
+          </a:lstStyle>
+          <a:p>
+            <a:r>
+              <a:rPr lang="de-DE" dirty="0"/>
+              <a:t>GRASP</a:t>
+            </a:r>
           </a:p>
         </p:txBody>
       </p:sp>
@@ -919,13 +955,77 @@
         <p:spPr/>
         <p:txBody>
           <a:bodyPr/>
-          <a:lstStyle/>
+          <a:lstStyle>
+            <a:lvl1pPr>
+              <a:defRPr>
+                <a:solidFill>
+                  <a:srgbClr val="7030A0"/>
+                </a:solidFill>
+              </a:defRPr>
+            </a:lvl1pPr>
+          </a:lstStyle>
           <a:p>
             <a:fld id="{127A7636-8615-4566-9629-EE6D3542131F}" type="slidenum">
               <a:rPr lang="de-DE" smtClean="0"/>
+              <a:pPr/>
               <a:t>‹Nr.›</a:t>
             </a:fld>
-            <a:endParaRPr lang="de-DE"/>
+            <a:endParaRPr lang="de-DE" dirty="0"/>
+          </a:p>
+        </p:txBody>
+      </p:sp>
+      <p:sp>
+        <p:nvSpPr>
+          <p:cNvPr id="7" name="Rechteck 6">
+            <a:extLst>
+              <a:ext uri="{FF2B5EF4-FFF2-40B4-BE49-F238E27FC236}">
+                <a16:creationId xmlns:a16="http://schemas.microsoft.com/office/drawing/2014/main" id="{24A698CA-A974-4242-8D23-671469EC6D30}"/>
+              </a:ext>
+            </a:extLst>
+          </p:cNvPr>
+          <p:cNvSpPr/>
+          <p:nvPr userDrawn="1"/>
+        </p:nvSpPr>
+        <p:spPr>
+          <a:xfrm>
+            <a:off x="0" y="1399898"/>
+            <a:ext cx="11340000" cy="36000"/>
+          </a:xfrm>
+          <a:prstGeom prst="rect">
+            <a:avLst/>
+          </a:prstGeom>
+          <a:solidFill>
+            <a:schemeClr val="accent6">
+              <a:lumMod val="40000"/>
+              <a:lumOff val="60000"/>
+            </a:schemeClr>
+          </a:solidFill>
+          <a:ln>
+            <a:noFill/>
+          </a:ln>
+        </p:spPr>
+        <p:style>
+          <a:lnRef idx="2">
+            <a:schemeClr val="accent1">
+              <a:shade val="50000"/>
+            </a:schemeClr>
+          </a:lnRef>
+          <a:fillRef idx="1">
+            <a:schemeClr val="accent1"/>
+          </a:fillRef>
+          <a:effectRef idx="0">
+            <a:schemeClr val="accent1"/>
+          </a:effectRef>
+          <a:fontRef idx="minor">
+            <a:schemeClr val="lt1"/>
+          </a:fontRef>
+        </p:style>
+        <p:txBody>
+          <a:bodyPr rtlCol="0" anchor="ctr"/>
+          <a:lstStyle/>
+          <a:p>
+            <a:pPr algn="ctr"/>
+            <a:endParaRPr lang="de-DE" dirty="0"/>
           </a:p>
         </p:txBody>
       </p:sp>
@@ -1144,7 +1244,7 @@
           <a:p>
             <a:fld id="{110B807C-7979-4136-B60A-1E2D17A4B826}" type="datetimeFigureOut">
               <a:rPr lang="de-DE" smtClean="0"/>
-              <a:t>09.10.2019</a:t>
+              <a:t>10.10.2019</a:t>
             </a:fld>
             <a:endParaRPr lang="de-DE"/>
           </a:p>
@@ -1409,7 +1509,7 @@
           <a:p>
             <a:fld id="{110B807C-7979-4136-B60A-1E2D17A4B826}" type="datetimeFigureOut">
               <a:rPr lang="de-DE" smtClean="0"/>
-              <a:t>09.10.2019</a:t>
+              <a:t>10.10.2019</a:t>
             </a:fld>
             <a:endParaRPr lang="de-DE"/>
           </a:p>
@@ -1821,7 +1921,7 @@
           <a:p>
             <a:fld id="{110B807C-7979-4136-B60A-1E2D17A4B826}" type="datetimeFigureOut">
               <a:rPr lang="de-DE" smtClean="0"/>
-              <a:t>09.10.2019</a:t>
+              <a:t>10.10.2019</a:t>
             </a:fld>
             <a:endParaRPr lang="de-DE"/>
           </a:p>
@@ -1962,7 +2062,7 @@
           <a:p>
             <a:fld id="{110B807C-7979-4136-B60A-1E2D17A4B826}" type="datetimeFigureOut">
               <a:rPr lang="de-DE" smtClean="0"/>
-              <a:t>09.10.2019</a:t>
+              <a:t>10.10.2019</a:t>
             </a:fld>
             <a:endParaRPr lang="de-DE"/>
           </a:p>
@@ -2075,7 +2175,7 @@
           <a:p>
             <a:fld id="{110B807C-7979-4136-B60A-1E2D17A4B826}" type="datetimeFigureOut">
               <a:rPr lang="de-DE" smtClean="0"/>
-              <a:t>09.10.2019</a:t>
+              <a:t>10.10.2019</a:t>
             </a:fld>
             <a:endParaRPr lang="de-DE"/>
           </a:p>
@@ -2386,7 +2486,7 @@
           <a:p>
             <a:fld id="{110B807C-7979-4136-B60A-1E2D17A4B826}" type="datetimeFigureOut">
               <a:rPr lang="de-DE" smtClean="0"/>
-              <a:t>09.10.2019</a:t>
+              <a:t>10.10.2019</a:t>
             </a:fld>
             <a:endParaRPr lang="de-DE"/>
           </a:p>
@@ -2674,7 +2774,7 @@
           <a:p>
             <a:fld id="{110B807C-7979-4136-B60A-1E2D17A4B826}" type="datetimeFigureOut">
               <a:rPr lang="de-DE" smtClean="0"/>
-              <a:t>09.10.2019</a:t>
+              <a:t>10.10.2019</a:t>
             </a:fld>
             <a:endParaRPr lang="de-DE"/>
           </a:p>
@@ -2787,7 +2887,7 @@
         </p:nvSpPr>
         <p:spPr>
           <a:xfrm>
-            <a:off x="838200" y="365125"/>
+            <a:off x="838200" y="347369"/>
             <a:ext cx="10515600" cy="1325563"/>
           </a:xfrm>
           <a:prstGeom prst="rect">
@@ -2801,7 +2901,7 @@
           <a:lstStyle/>
           <a:p>
             <a:r>
-              <a:rPr lang="de-DE"/>
+              <a:rPr lang="de-DE" dirty="0"/>
               <a:t>Mastertitelformat bearbeiten</a:t>
             </a:r>
           </a:p>
@@ -2840,35 +2940,35 @@
           <a:p>
             <a:pPr lvl="0"/>
             <a:r>
-              <a:rPr lang="de-DE"/>
+              <a:rPr lang="de-DE" dirty="0"/>
               <a:t>Mastertextformat bearbeiten</a:t>
             </a:r>
           </a:p>
           <a:p>
             <a:pPr lvl="1"/>
             <a:r>
-              <a:rPr lang="de-DE"/>
+              <a:rPr lang="de-DE" dirty="0"/>
               <a:t>Zweite Ebene</a:t>
             </a:r>
           </a:p>
           <a:p>
             <a:pPr lvl="2"/>
             <a:r>
-              <a:rPr lang="de-DE"/>
+              <a:rPr lang="de-DE" dirty="0"/>
               <a:t>Dritte Ebene</a:t>
             </a:r>
           </a:p>
           <a:p>
             <a:pPr lvl="3"/>
             <a:r>
-              <a:rPr lang="de-DE"/>
+              <a:rPr lang="de-DE" dirty="0"/>
               <a:t>Vierte Ebene</a:t>
             </a:r>
           </a:p>
           <a:p>
             <a:pPr lvl="4"/>
             <a:r>
-              <a:rPr lang="de-DE"/>
+              <a:rPr lang="de-DE" dirty="0"/>
               <a:t>Fünfte Ebene</a:t>
             </a:r>
           </a:p>
@@ -2915,7 +3015,7 @@
           <a:p>
             <a:fld id="{110B807C-7979-4136-B60A-1E2D17A4B826}" type="datetimeFigureOut">
               <a:rPr lang="de-DE" smtClean="0"/>
-              <a:t>09.10.2019</a:t>
+              <a:t>10.10.2019</a:t>
             </a:fld>
             <a:endParaRPr lang="de-DE"/>
           </a:p>
@@ -3356,8 +3456,12 @@
           <a:lstStyle/>
           <a:p>
             <a:r>
-              <a:rPr lang="de-DE" dirty="0"/>
-              <a:t>Fallstudie Lernsoftware</a:t>
+              <a:rPr lang="de-DE" dirty="0">
+                <a:solidFill>
+                  <a:srgbClr val="7030A0"/>
+                </a:solidFill>
+              </a:rPr>
+              <a:t>FALLSTUDIE LERNSOFTWARE</a:t>
             </a:r>
           </a:p>
         </p:txBody>
@@ -3384,29 +3488,77 @@
           <a:lstStyle/>
           <a:p>
             <a:r>
-              <a:rPr lang="de-DE" dirty="0"/>
+              <a:rPr lang="de-DE" dirty="0">
+                <a:solidFill>
+                  <a:schemeClr val="accent6">
+                    <a:lumMod val="40000"/>
+                    <a:lumOff val="60000"/>
+                  </a:schemeClr>
+                </a:solidFill>
+                <a:latin typeface="+mj-lt"/>
+              </a:rPr>
               <a:t>Tobias </a:t>
             </a:r>
             <a:r>
-              <a:rPr lang="de-DE" dirty="0" err="1"/>
+              <a:rPr lang="de-DE" dirty="0" err="1">
+                <a:solidFill>
+                  <a:schemeClr val="accent6">
+                    <a:lumMod val="40000"/>
+                    <a:lumOff val="60000"/>
+                  </a:schemeClr>
+                </a:solidFill>
+                <a:latin typeface="+mj-lt"/>
+              </a:rPr>
               <a:t>Dratz</a:t>
             </a:r>
             <a:r>
-              <a:rPr lang="de-DE" dirty="0"/>
+              <a:rPr lang="de-DE" dirty="0">
+                <a:solidFill>
+                  <a:schemeClr val="accent6">
+                    <a:lumMod val="40000"/>
+                    <a:lumOff val="60000"/>
+                  </a:schemeClr>
+                </a:solidFill>
+                <a:latin typeface="+mj-lt"/>
+              </a:rPr>
               <a:t>, Stefan Ernst, Anna-Lena Katzenberger, </a:t>
             </a:r>
           </a:p>
           <a:p>
             <a:r>
-              <a:rPr lang="de-DE" dirty="0"/>
+              <a:rPr lang="de-DE" dirty="0">
+                <a:solidFill>
+                  <a:schemeClr val="accent6">
+                    <a:lumMod val="40000"/>
+                    <a:lumOff val="60000"/>
+                  </a:schemeClr>
+                </a:solidFill>
+                <a:latin typeface="+mj-lt"/>
+              </a:rPr>
               <a:t>Fabian </a:t>
             </a:r>
             <a:r>
-              <a:rPr lang="de-DE" dirty="0" err="1"/>
+              <a:rPr lang="de-DE" dirty="0" err="1">
+                <a:solidFill>
+                  <a:schemeClr val="accent6">
+                    <a:lumMod val="40000"/>
+                    <a:lumOff val="60000"/>
+                  </a:schemeClr>
+                </a:solidFill>
+                <a:latin typeface="+mj-lt"/>
+              </a:rPr>
               <a:t>Kmett</a:t>
             </a:r>
             <a:r>
-              <a:rPr lang="de-DE" dirty="0"/>
+              <a:rPr lang="de-DE" dirty="0">
+                <a:solidFill>
+                  <a:schemeClr val="accent6">
+                    <a:lumMod val="40000"/>
+                    <a:lumOff val="60000"/>
+                  </a:schemeClr>
+                </a:solidFill>
+                <a:latin typeface="+mj-lt"/>
+              </a:rPr>
               <a:t>, Katharina Merz, Adrian Ott</a:t>
             </a:r>
           </a:p>
@@ -3426,6 +3578,348 @@
 </file>
 
 <file path=ppt/slides/slide10.xml><?xml version="1.0" encoding="utf-8"?>
+<p:sld xmlns:a="http://schemas.openxmlformats.org/drawingml/2006/main" xmlns:r="http://schemas.openxmlformats.org/officeDocument/2006/relationships" xmlns:p="http://schemas.openxmlformats.org/presentationml/2006/main" show="0">
+  <p:cSld>
+    <p:spTree>
+      <p:nvGrpSpPr>
+        <p:cNvPr id="1" name=""/>
+        <p:cNvGrpSpPr/>
+        <p:nvPr/>
+      </p:nvGrpSpPr>
+      <p:grpSpPr>
+        <a:xfrm>
+          <a:off x="0" y="0"/>
+          <a:ext cx="0" cy="0"/>
+          <a:chOff x="0" y="0"/>
+          <a:chExt cx="0" cy="0"/>
+        </a:xfrm>
+      </p:grpSpPr>
+      <p:sp>
+        <p:nvSpPr>
+          <p:cNvPr id="2" name="Titel 1">
+            <a:extLst>
+              <a:ext uri="{FF2B5EF4-FFF2-40B4-BE49-F238E27FC236}">
+                <a16:creationId xmlns:a16="http://schemas.microsoft.com/office/drawing/2014/main" id="{7B79B403-E9C4-449F-8689-21EB96322FD1}"/>
+              </a:ext>
+            </a:extLst>
+          </p:cNvPr>
+          <p:cNvSpPr>
+            <a:spLocks noGrp="1"/>
+          </p:cNvSpPr>
+          <p:nvPr>
+            <p:ph type="title"/>
+          </p:nvPr>
+        </p:nvSpPr>
+        <p:spPr/>
+        <p:txBody>
+          <a:bodyPr/>
+          <a:lstStyle/>
+          <a:p>
+            <a:r>
+              <a:rPr lang="de-DE" dirty="0"/>
+              <a:t>AKTIVITÄTSDIAGRAMM: </a:t>
+            </a:r>
+            <a:r>
+              <a:rPr lang="de-DE" dirty="0" err="1"/>
+              <a:t>CreateFileCard</a:t>
+            </a:r>
+            <a:endParaRPr lang="de-DE" dirty="0"/>
+          </a:p>
+        </p:txBody>
+      </p:sp>
+      <p:sp>
+        <p:nvSpPr>
+          <p:cNvPr id="3" name="Inhaltsplatzhalter 2">
+            <a:extLst>
+              <a:ext uri="{FF2B5EF4-FFF2-40B4-BE49-F238E27FC236}">
+                <a16:creationId xmlns:a16="http://schemas.microsoft.com/office/drawing/2014/main" id="{303161C2-498E-4D0B-8FA6-7EED122BDD5A}"/>
+              </a:ext>
+            </a:extLst>
+          </p:cNvPr>
+          <p:cNvSpPr>
+            <a:spLocks noGrp="1"/>
+          </p:cNvSpPr>
+          <p:nvPr>
+            <p:ph idx="1"/>
+          </p:nvPr>
+        </p:nvSpPr>
+        <p:spPr/>
+        <p:txBody>
+          <a:bodyPr/>
+          <a:lstStyle/>
+          <a:p>
+            <a:endParaRPr lang="de-DE"/>
+          </a:p>
+        </p:txBody>
+      </p:sp>
+    </p:spTree>
+    <p:extLst>
+      <p:ext uri="{BB962C8B-B14F-4D97-AF65-F5344CB8AC3E}">
+        <p14:creationId xmlns:p14="http://schemas.microsoft.com/office/powerpoint/2010/main" val="1896528826"/>
+      </p:ext>
+    </p:extLst>
+  </p:cSld>
+  <p:clrMapOvr>
+    <a:masterClrMapping/>
+  </p:clrMapOvr>
+</p:sld>
+</file>
+
+<file path=ppt/slides/slide11.xml><?xml version="1.0" encoding="utf-8"?>
+<p:sld xmlns:a="http://schemas.openxmlformats.org/drawingml/2006/main" xmlns:r="http://schemas.openxmlformats.org/officeDocument/2006/relationships" xmlns:p="http://schemas.openxmlformats.org/presentationml/2006/main" show="0">
+  <p:cSld>
+    <p:spTree>
+      <p:nvGrpSpPr>
+        <p:cNvPr id="1" name=""/>
+        <p:cNvGrpSpPr/>
+        <p:nvPr/>
+      </p:nvGrpSpPr>
+      <p:grpSpPr>
+        <a:xfrm>
+          <a:off x="0" y="0"/>
+          <a:ext cx="0" cy="0"/>
+          <a:chOff x="0" y="0"/>
+          <a:chExt cx="0" cy="0"/>
+        </a:xfrm>
+      </p:grpSpPr>
+      <p:sp>
+        <p:nvSpPr>
+          <p:cNvPr id="2" name="Titel 1">
+            <a:extLst>
+              <a:ext uri="{FF2B5EF4-FFF2-40B4-BE49-F238E27FC236}">
+                <a16:creationId xmlns:a16="http://schemas.microsoft.com/office/drawing/2014/main" id="{C7A8CD23-5B02-4B5A-A597-F4B2722E132A}"/>
+              </a:ext>
+            </a:extLst>
+          </p:cNvPr>
+          <p:cNvSpPr>
+            <a:spLocks noGrp="1"/>
+          </p:cNvSpPr>
+          <p:nvPr>
+            <p:ph type="title"/>
+          </p:nvPr>
+        </p:nvSpPr>
+        <p:spPr/>
+        <p:txBody>
+          <a:bodyPr/>
+          <a:lstStyle/>
+          <a:p>
+            <a:r>
+              <a:rPr lang="de-DE" dirty="0"/>
+              <a:t>SEQUENZDIAGRAMM: LOGIN</a:t>
+            </a:r>
+          </a:p>
+        </p:txBody>
+      </p:sp>
+      <p:sp>
+        <p:nvSpPr>
+          <p:cNvPr id="3" name="Inhaltsplatzhalter 2">
+            <a:extLst>
+              <a:ext uri="{FF2B5EF4-FFF2-40B4-BE49-F238E27FC236}">
+                <a16:creationId xmlns:a16="http://schemas.microsoft.com/office/drawing/2014/main" id="{55B2D2FF-9946-4896-AC8E-D3BC78E6AF39}"/>
+              </a:ext>
+            </a:extLst>
+          </p:cNvPr>
+          <p:cNvSpPr>
+            <a:spLocks noGrp="1"/>
+          </p:cNvSpPr>
+          <p:nvPr>
+            <p:ph idx="1"/>
+          </p:nvPr>
+        </p:nvSpPr>
+        <p:spPr/>
+        <p:txBody>
+          <a:bodyPr/>
+          <a:lstStyle/>
+          <a:p>
+            <a:endParaRPr lang="de-DE"/>
+          </a:p>
+        </p:txBody>
+      </p:sp>
+    </p:spTree>
+    <p:extLst>
+      <p:ext uri="{BB962C8B-B14F-4D97-AF65-F5344CB8AC3E}">
+        <p14:creationId xmlns:p14="http://schemas.microsoft.com/office/powerpoint/2010/main" val="50314300"/>
+      </p:ext>
+    </p:extLst>
+  </p:cSld>
+  <p:clrMapOvr>
+    <a:masterClrMapping/>
+  </p:clrMapOvr>
+</p:sld>
+</file>
+
+<file path=ppt/slides/slide12.xml><?xml version="1.0" encoding="utf-8"?>
+<p:sld xmlns:a="http://schemas.openxmlformats.org/drawingml/2006/main" xmlns:r="http://schemas.openxmlformats.org/officeDocument/2006/relationships" xmlns:p="http://schemas.openxmlformats.org/presentationml/2006/main" show="0">
+  <p:cSld>
+    <p:spTree>
+      <p:nvGrpSpPr>
+        <p:cNvPr id="1" name=""/>
+        <p:cNvGrpSpPr/>
+        <p:nvPr/>
+      </p:nvGrpSpPr>
+      <p:grpSpPr>
+        <a:xfrm>
+          <a:off x="0" y="0"/>
+          <a:ext cx="0" cy="0"/>
+          <a:chOff x="0" y="0"/>
+          <a:chExt cx="0" cy="0"/>
+        </a:xfrm>
+      </p:grpSpPr>
+      <p:sp>
+        <p:nvSpPr>
+          <p:cNvPr id="2" name="Titel 1">
+            <a:extLst>
+              <a:ext uri="{FF2B5EF4-FFF2-40B4-BE49-F238E27FC236}">
+                <a16:creationId xmlns:a16="http://schemas.microsoft.com/office/drawing/2014/main" id="{45A67000-D235-4ABB-BF6A-6973883E9DDB}"/>
+              </a:ext>
+            </a:extLst>
+          </p:cNvPr>
+          <p:cNvSpPr>
+            <a:spLocks noGrp="1"/>
+          </p:cNvSpPr>
+          <p:nvPr>
+            <p:ph type="title"/>
+          </p:nvPr>
+        </p:nvSpPr>
+        <p:spPr/>
+        <p:txBody>
+          <a:bodyPr/>
+          <a:lstStyle/>
+          <a:p>
+            <a:r>
+              <a:rPr lang="de-DE" dirty="0"/>
+              <a:t>SEQUENZDIAGRAMM: </a:t>
+            </a:r>
+            <a:r>
+              <a:rPr lang="de-DE" dirty="0" err="1"/>
+              <a:t>CreateFileCard</a:t>
+            </a:r>
+            <a:endParaRPr lang="de-DE" dirty="0"/>
+          </a:p>
+        </p:txBody>
+      </p:sp>
+      <p:sp>
+        <p:nvSpPr>
+          <p:cNvPr id="3" name="Inhaltsplatzhalter 2">
+            <a:extLst>
+              <a:ext uri="{FF2B5EF4-FFF2-40B4-BE49-F238E27FC236}">
+                <a16:creationId xmlns:a16="http://schemas.microsoft.com/office/drawing/2014/main" id="{FF6FE7BB-C052-489E-96A8-ABE8AB58C829}"/>
+              </a:ext>
+            </a:extLst>
+          </p:cNvPr>
+          <p:cNvSpPr>
+            <a:spLocks noGrp="1"/>
+          </p:cNvSpPr>
+          <p:nvPr>
+            <p:ph idx="1"/>
+          </p:nvPr>
+        </p:nvSpPr>
+        <p:spPr/>
+        <p:txBody>
+          <a:bodyPr/>
+          <a:lstStyle/>
+          <a:p>
+            <a:endParaRPr lang="de-DE"/>
+          </a:p>
+        </p:txBody>
+      </p:sp>
+    </p:spTree>
+    <p:extLst>
+      <p:ext uri="{BB962C8B-B14F-4D97-AF65-F5344CB8AC3E}">
+        <p14:creationId xmlns:p14="http://schemas.microsoft.com/office/powerpoint/2010/main" val="4285127562"/>
+      </p:ext>
+    </p:extLst>
+  </p:cSld>
+  <p:clrMapOvr>
+    <a:masterClrMapping/>
+  </p:clrMapOvr>
+</p:sld>
+</file>
+
+<file path=ppt/slides/slide13.xml><?xml version="1.0" encoding="utf-8"?>
+<p:sld xmlns:a="http://schemas.openxmlformats.org/drawingml/2006/main" xmlns:r="http://schemas.openxmlformats.org/officeDocument/2006/relationships" xmlns:p="http://schemas.openxmlformats.org/presentationml/2006/main" show="0">
+  <p:cSld>
+    <p:spTree>
+      <p:nvGrpSpPr>
+        <p:cNvPr id="1" name=""/>
+        <p:cNvGrpSpPr/>
+        <p:nvPr/>
+      </p:nvGrpSpPr>
+      <p:grpSpPr>
+        <a:xfrm>
+          <a:off x="0" y="0"/>
+          <a:ext cx="0" cy="0"/>
+          <a:chOff x="0" y="0"/>
+          <a:chExt cx="0" cy="0"/>
+        </a:xfrm>
+      </p:grpSpPr>
+      <p:sp>
+        <p:nvSpPr>
+          <p:cNvPr id="2" name="Titel 1">
+            <a:extLst>
+              <a:ext uri="{FF2B5EF4-FFF2-40B4-BE49-F238E27FC236}">
+                <a16:creationId xmlns:a16="http://schemas.microsoft.com/office/drawing/2014/main" id="{C2AC6D00-06AE-4B1A-9C98-FF2FA8BE40BC}"/>
+              </a:ext>
+            </a:extLst>
+          </p:cNvPr>
+          <p:cNvSpPr>
+            <a:spLocks noGrp="1"/>
+          </p:cNvSpPr>
+          <p:nvPr>
+            <p:ph type="title"/>
+          </p:nvPr>
+        </p:nvSpPr>
+        <p:spPr/>
+        <p:txBody>
+          <a:bodyPr/>
+          <a:lstStyle/>
+          <a:p>
+            <a:r>
+              <a:rPr lang="de-DE" dirty="0"/>
+              <a:t>KLASSENDIAGRAMM</a:t>
+            </a:r>
+          </a:p>
+        </p:txBody>
+      </p:sp>
+      <p:sp>
+        <p:nvSpPr>
+          <p:cNvPr id="3" name="Inhaltsplatzhalter 2">
+            <a:extLst>
+              <a:ext uri="{FF2B5EF4-FFF2-40B4-BE49-F238E27FC236}">
+                <a16:creationId xmlns:a16="http://schemas.microsoft.com/office/drawing/2014/main" id="{37ABD143-874E-4953-91C5-3B5676F79F4D}"/>
+              </a:ext>
+            </a:extLst>
+          </p:cNvPr>
+          <p:cNvSpPr>
+            <a:spLocks noGrp="1"/>
+          </p:cNvSpPr>
+          <p:nvPr>
+            <p:ph idx="1"/>
+          </p:nvPr>
+        </p:nvSpPr>
+        <p:spPr/>
+        <p:txBody>
+          <a:bodyPr/>
+          <a:lstStyle/>
+          <a:p>
+            <a:endParaRPr lang="de-DE"/>
+          </a:p>
+        </p:txBody>
+      </p:sp>
+    </p:spTree>
+    <p:extLst>
+      <p:ext uri="{BB962C8B-B14F-4D97-AF65-F5344CB8AC3E}">
+        <p14:creationId xmlns:p14="http://schemas.microsoft.com/office/powerpoint/2010/main" val="4131279047"/>
+      </p:ext>
+    </p:extLst>
+  </p:cSld>
+  <p:clrMapOvr>
+    <a:masterClrMapping/>
+  </p:clrMapOvr>
+</p:sld>
+</file>
+
+<file path=ppt/slides/slide14.xml><?xml version="1.0" encoding="utf-8"?>
 <p:sld xmlns:a="http://schemas.openxmlformats.org/drawingml/2006/main" xmlns:r="http://schemas.openxmlformats.org/officeDocument/2006/relationships" xmlns:p="http://schemas.openxmlformats.org/presentationml/2006/main">
   <p:cSld>
     <p:spTree>
@@ -3447,7 +3941,7 @@
           <p:cNvPr id="2" name="Titel 1">
             <a:extLst>
               <a:ext uri="{FF2B5EF4-FFF2-40B4-BE49-F238E27FC236}">
-                <a16:creationId xmlns:a16="http://schemas.microsoft.com/office/drawing/2014/main" id="{C2AC6D00-06AE-4B1A-9C98-FF2FA8BE40BC}"/>
+                <a16:creationId xmlns:a16="http://schemas.microsoft.com/office/drawing/2014/main" id="{7C926A66-90F0-4952-A880-42A0AC0B5A6E}"/>
               </a:ext>
             </a:extLst>
           </p:cNvPr>
@@ -3464,92 +3958,10 @@
           <a:lstStyle/>
           <a:p>
             <a:r>
-              <a:rPr lang="de-DE" dirty="0"/>
-              <a:t>Klassendiagramm</a:t>
-            </a:r>
-          </a:p>
-        </p:txBody>
-      </p:sp>
-      <p:sp>
-        <p:nvSpPr>
-          <p:cNvPr id="3" name="Inhaltsplatzhalter 2">
-            <a:extLst>
-              <a:ext uri="{FF2B5EF4-FFF2-40B4-BE49-F238E27FC236}">
-                <a16:creationId xmlns:a16="http://schemas.microsoft.com/office/drawing/2014/main" id="{37ABD143-874E-4953-91C5-3B5676F79F4D}"/>
-              </a:ext>
-            </a:extLst>
-          </p:cNvPr>
-          <p:cNvSpPr>
-            <a:spLocks noGrp="1"/>
-          </p:cNvSpPr>
-          <p:nvPr>
-            <p:ph idx="1"/>
-          </p:nvPr>
-        </p:nvSpPr>
-        <p:spPr/>
-        <p:txBody>
-          <a:bodyPr/>
-          <a:lstStyle/>
-          <a:p>
-            <a:endParaRPr lang="de-DE"/>
-          </a:p>
-        </p:txBody>
-      </p:sp>
-    </p:spTree>
-    <p:extLst>
-      <p:ext uri="{BB962C8B-B14F-4D97-AF65-F5344CB8AC3E}">
-        <p14:creationId xmlns:p14="http://schemas.microsoft.com/office/powerpoint/2010/main" val="4131279047"/>
-      </p:ext>
-    </p:extLst>
-  </p:cSld>
-  <p:clrMapOvr>
-    <a:masterClrMapping/>
-  </p:clrMapOvr>
-</p:sld>
-</file>
-
-<file path=ppt/slides/slide11.xml><?xml version="1.0" encoding="utf-8"?>
-<p:sld xmlns:a="http://schemas.openxmlformats.org/drawingml/2006/main" xmlns:r="http://schemas.openxmlformats.org/officeDocument/2006/relationships" xmlns:p="http://schemas.openxmlformats.org/presentationml/2006/main">
-  <p:cSld>
-    <p:spTree>
-      <p:nvGrpSpPr>
-        <p:cNvPr id="1" name=""/>
-        <p:cNvGrpSpPr/>
-        <p:nvPr/>
-      </p:nvGrpSpPr>
-      <p:grpSpPr>
-        <a:xfrm>
-          <a:off x="0" y="0"/>
-          <a:ext cx="0" cy="0"/>
-          <a:chOff x="0" y="0"/>
-          <a:chExt cx="0" cy="0"/>
-        </a:xfrm>
-      </p:grpSpPr>
-      <p:sp>
-        <p:nvSpPr>
-          <p:cNvPr id="2" name="Titel 1">
-            <a:extLst>
-              <a:ext uri="{FF2B5EF4-FFF2-40B4-BE49-F238E27FC236}">
-                <a16:creationId xmlns:a16="http://schemas.microsoft.com/office/drawing/2014/main" id="{7C926A66-90F0-4952-A880-42A0AC0B5A6E}"/>
-              </a:ext>
-            </a:extLst>
-          </p:cNvPr>
-          <p:cNvSpPr>
-            <a:spLocks noGrp="1"/>
-          </p:cNvSpPr>
-          <p:nvPr>
-            <p:ph type="title"/>
-          </p:nvPr>
-        </p:nvSpPr>
-        <p:spPr/>
-        <p:txBody>
-          <a:bodyPr/>
-          <a:lstStyle/>
-          <a:p>
-            <a:r>
-              <a:rPr lang="de-DE" dirty="0"/>
-              <a:t>Create Card</a:t>
-            </a:r>
+              <a:rPr lang="de-DE" dirty="0" err="1"/>
+              <a:t>CreateFileCard</a:t>
+            </a:r>
+            <a:endParaRPr lang="de-DE" dirty="0"/>
           </a:p>
         </p:txBody>
       </p:sp>
@@ -3583,7 +3995,7 @@
         </p:blipFill>
         <p:spPr>
           <a:xfrm>
-            <a:off x="382808" y="1494595"/>
+            <a:off x="838200" y="1672932"/>
             <a:ext cx="7262054" cy="1394738"/>
           </a:xfrm>
         </p:spPr>
@@ -3616,7 +4028,7 @@
         </p:blipFill>
         <p:spPr>
           <a:xfrm>
-            <a:off x="3129915" y="4779694"/>
+            <a:off x="3585307" y="4958031"/>
             <a:ext cx="6654165" cy="1526329"/>
           </a:xfrm>
           <a:prstGeom prst="rect">
@@ -3652,7 +4064,7 @@
         </p:blipFill>
         <p:spPr>
           <a:xfrm>
-            <a:off x="1516918" y="3126545"/>
+            <a:off x="1972310" y="3304882"/>
             <a:ext cx="5745674" cy="1283480"/>
           </a:xfrm>
           <a:prstGeom prst="rect">
@@ -3678,7 +4090,7 @@
         </p:nvCxnSpPr>
         <p:spPr>
           <a:xfrm flipH="1">
-            <a:off x="7262592" y="2191964"/>
+            <a:off x="7717984" y="2370301"/>
             <a:ext cx="382270" cy="1576321"/>
           </a:xfrm>
           <a:prstGeom prst="bentConnector3">
@@ -3721,7 +4133,7 @@
         </p:nvCxnSpPr>
         <p:spPr>
           <a:xfrm>
-            <a:off x="7262592" y="4018803"/>
+            <a:off x="7717984" y="4197140"/>
             <a:ext cx="2505710" cy="1549051"/>
           </a:xfrm>
           <a:prstGeom prst="bentConnector3">
@@ -3761,7 +4173,7 @@
 </p:sld>
 </file>
 
-<file path=ppt/slides/slide12.xml><?xml version="1.0" encoding="utf-8"?>
+<file path=ppt/slides/slide15.xml><?xml version="1.0" encoding="utf-8"?>
 <p:sld xmlns:a="http://schemas.openxmlformats.org/drawingml/2006/main" xmlns:r="http://schemas.openxmlformats.org/officeDocument/2006/relationships" xmlns:p="http://schemas.openxmlformats.org/presentationml/2006/main">
   <p:cSld>
     <p:spTree>
@@ -3801,7 +4213,7 @@
           <a:p>
             <a:r>
               <a:rPr lang="de-DE" dirty="0"/>
-              <a:t>Frontend</a:t>
+              <a:t>FRONTEND</a:t>
             </a:r>
           </a:p>
         </p:txBody>
@@ -3883,128 +4295,296 @@
           <a:lstStyle/>
           <a:p>
             <a:r>
-              <a:rPr lang="de-DE" dirty="0"/>
-              <a:t>Agenda</a:t>
-            </a:r>
-          </a:p>
-        </p:txBody>
-      </p:sp>
-      <p:sp>
-        <p:nvSpPr>
-          <p:cNvPr id="3" name="Inhaltsplatzhalter 2">
-            <a:extLst>
-              <a:ext uri="{FF2B5EF4-FFF2-40B4-BE49-F238E27FC236}">
-                <a16:creationId xmlns:a16="http://schemas.microsoft.com/office/drawing/2014/main" id="{1147FC05-C299-46E7-9B4B-51BB43D3D192}"/>
-              </a:ext>
-            </a:extLst>
-          </p:cNvPr>
-          <p:cNvSpPr>
-            <a:spLocks noGrp="1"/>
-          </p:cNvSpPr>
-          <p:nvPr>
-            <p:ph idx="1"/>
-          </p:nvPr>
-        </p:nvSpPr>
-        <p:spPr/>
-        <p:txBody>
-          <a:bodyPr>
-            <a:normAutofit fontScale="92500" lnSpcReduction="20000"/>
+              <a:rPr lang="de-DE" dirty="0">
+                <a:solidFill>
+                  <a:srgbClr val="7030A0"/>
+                </a:solidFill>
+              </a:rPr>
+              <a:t>AGENDA</a:t>
+            </a:r>
+          </a:p>
+        </p:txBody>
+      </p:sp>
+      <p:sp>
+        <p:nvSpPr>
+          <p:cNvPr id="4" name="Textfeld 3">
+            <a:extLst>
+              <a:ext uri="{FF2B5EF4-FFF2-40B4-BE49-F238E27FC236}">
+                <a16:creationId xmlns:a16="http://schemas.microsoft.com/office/drawing/2014/main" id="{46D73114-71E5-4ECA-A555-845ADD799442}"/>
+              </a:ext>
+            </a:extLst>
+          </p:cNvPr>
+          <p:cNvSpPr txBox="1"/>
+          <p:nvPr/>
+        </p:nvSpPr>
+        <p:spPr>
+          <a:xfrm flipH="1">
+            <a:off x="838199" y="2064175"/>
+            <a:ext cx="5191125" cy="1169551"/>
+          </a:xfrm>
+          <a:prstGeom prst="rect">
+            <a:avLst/>
+          </a:prstGeom>
+          <a:solidFill>
+            <a:schemeClr val="accent6">
+              <a:lumMod val="40000"/>
+              <a:lumOff val="60000"/>
+            </a:schemeClr>
+          </a:solidFill>
+        </p:spPr>
+        <p:txBody>
+          <a:bodyPr wrap="square" rtlCol="0">
+            <a:spAutoFit/>
           </a:bodyPr>
           <a:lstStyle/>
           <a:p>
             <a:r>
-              <a:rPr lang="de-DE" dirty="0"/>
-              <a:t>Zielsetzung: Um was geht’s?</a:t>
-            </a:r>
-          </a:p>
-          <a:p>
-            <a:r>
-              <a:rPr lang="de-DE" dirty="0"/>
-              <a:t>Use-Cases (Login + </a:t>
-            </a:r>
-            <a:r>
-              <a:rPr lang="de-DE" dirty="0" err="1"/>
-              <a:t>CreateCard</a:t>
-            </a:r>
-            <a:r>
-              <a:rPr lang="de-DE" dirty="0"/>
-              <a:t>) erläutern</a:t>
-            </a:r>
+              <a:rPr lang="de-DE" sz="2600" dirty="0"/>
+              <a:t>Zielsetzung</a:t>
+            </a:r>
+            <a:r>
+              <a:rPr lang="de-DE" sz="2600" dirty="0">
+                <a:latin typeface="+mj-lt"/>
+              </a:rPr>
+              <a:t>: Was macht die Lern-software?</a:t>
+            </a:r>
+            <a:endParaRPr lang="de-DE" sz="2000" dirty="0">
+              <a:latin typeface="+mj-lt"/>
+            </a:endParaRPr>
+          </a:p>
+          <a:p>
+            <a:endParaRPr lang="de-DE" dirty="0">
+              <a:latin typeface="+mj-lt"/>
+            </a:endParaRPr>
+          </a:p>
+        </p:txBody>
+      </p:sp>
+      <p:sp>
+        <p:nvSpPr>
+          <p:cNvPr id="5" name="Textfeld 4">
+            <a:extLst>
+              <a:ext uri="{FF2B5EF4-FFF2-40B4-BE49-F238E27FC236}">
+                <a16:creationId xmlns:a16="http://schemas.microsoft.com/office/drawing/2014/main" id="{BFDEB602-CC13-4949-9A22-2ADE115561EC}"/>
+              </a:ext>
+            </a:extLst>
+          </p:cNvPr>
+          <p:cNvSpPr txBox="1"/>
+          <p:nvPr/>
+        </p:nvSpPr>
+        <p:spPr>
+          <a:xfrm>
+            <a:off x="838198" y="3391495"/>
+            <a:ext cx="5191125" cy="2492990"/>
+          </a:xfrm>
+          <a:prstGeom prst="rect">
+            <a:avLst/>
+          </a:prstGeom>
+          <a:solidFill>
+            <a:schemeClr val="bg1">
+              <a:lumMod val="95000"/>
+            </a:schemeClr>
+          </a:solidFill>
+        </p:spPr>
+        <p:txBody>
+          <a:bodyPr wrap="square" rtlCol="0">
+            <a:spAutoFit/>
+          </a:bodyPr>
+          <a:lstStyle/>
+          <a:p>
+            <a:r>
+              <a:rPr lang="de-DE" sz="2600" dirty="0"/>
+              <a:t>Use-Cases: </a:t>
+            </a:r>
+            <a:r>
+              <a:rPr lang="de-DE" sz="2600" dirty="0">
+                <a:latin typeface="+mj-lt"/>
+              </a:rPr>
+              <a:t>Login + </a:t>
+            </a:r>
+            <a:r>
+              <a:rPr lang="de-DE" sz="2600" dirty="0" err="1">
+                <a:latin typeface="+mj-lt"/>
+              </a:rPr>
+              <a:t>CreateFileCard</a:t>
+            </a:r>
+            <a:endParaRPr lang="de-DE" sz="2600" dirty="0">
+              <a:latin typeface="+mj-lt"/>
+            </a:endParaRPr>
           </a:p>
           <a:p>
             <a:pPr lvl="1"/>
             <a:r>
-              <a:rPr lang="de-DE" dirty="0"/>
+              <a:rPr lang="de-DE" sz="2600" dirty="0">
+                <a:latin typeface="+mj-lt"/>
+              </a:rPr>
               <a:t>Use-Case-Diagramm</a:t>
             </a:r>
           </a:p>
           <a:p>
             <a:pPr lvl="1"/>
             <a:r>
-              <a:rPr lang="de-DE" dirty="0"/>
+              <a:rPr lang="de-DE" sz="2600" dirty="0">
+                <a:latin typeface="+mj-lt"/>
+              </a:rPr>
               <a:t>Domain Model</a:t>
             </a:r>
           </a:p>
           <a:p>
             <a:pPr lvl="1"/>
             <a:r>
-              <a:rPr lang="de-DE" dirty="0"/>
+              <a:rPr lang="de-DE" sz="2600" dirty="0">
+                <a:latin typeface="+mj-lt"/>
+              </a:rPr>
               <a:t>Aktivitätsdiagramme</a:t>
             </a:r>
           </a:p>
           <a:p>
             <a:pPr lvl="1"/>
             <a:r>
-              <a:rPr lang="de-DE" dirty="0"/>
-              <a:t>Sequenzdiagramme zu Use-Cases</a:t>
+              <a:rPr lang="de-DE" sz="2600" dirty="0">
+                <a:latin typeface="+mj-lt"/>
+              </a:rPr>
+              <a:t>Sequenzdiagramme</a:t>
             </a:r>
           </a:p>
           <a:p>
             <a:pPr lvl="1"/>
             <a:r>
-              <a:rPr lang="de-DE" dirty="0"/>
+              <a:rPr lang="de-DE" sz="2600" dirty="0">
+                <a:latin typeface="+mj-lt"/>
+              </a:rPr>
               <a:t>Klassendiagramm</a:t>
             </a:r>
           </a:p>
-          <a:p>
-            <a:r>
-              <a:rPr lang="de-DE" dirty="0"/>
-              <a:t>Derzeitiger Stand</a:t>
+        </p:txBody>
+      </p:sp>
+      <p:sp>
+        <p:nvSpPr>
+          <p:cNvPr id="6" name="Textfeld 5">
+            <a:extLst>
+              <a:ext uri="{FF2B5EF4-FFF2-40B4-BE49-F238E27FC236}">
+                <a16:creationId xmlns:a16="http://schemas.microsoft.com/office/drawing/2014/main" id="{56AB97F3-9DA6-42ED-80FE-079A3732E504}"/>
+              </a:ext>
+            </a:extLst>
+          </p:cNvPr>
+          <p:cNvSpPr txBox="1"/>
+          <p:nvPr/>
+        </p:nvSpPr>
+        <p:spPr>
+          <a:xfrm>
+            <a:off x="6200778" y="2064175"/>
+            <a:ext cx="5114924" cy="2092881"/>
+          </a:xfrm>
+          <a:prstGeom prst="rect">
+            <a:avLst/>
+          </a:prstGeom>
+          <a:solidFill>
+            <a:schemeClr val="bg1">
+              <a:lumMod val="95000"/>
+            </a:schemeClr>
+          </a:solidFill>
+        </p:spPr>
+        <p:txBody>
+          <a:bodyPr wrap="square" rtlCol="0">
+            <a:spAutoFit/>
+          </a:bodyPr>
+          <a:lstStyle/>
+          <a:p>
+            <a:r>
+              <a:rPr lang="de-DE" sz="2600" dirty="0"/>
+              <a:t>aktueller Stand</a:t>
             </a:r>
           </a:p>
           <a:p>
             <a:pPr lvl="1"/>
             <a:r>
-              <a:rPr lang="de-DE" dirty="0"/>
-              <a:t>Präsentation Backend-Sourcecode (von Adrian) z.B. Wie wird Karte gespeichert?</a:t>
+              <a:rPr lang="de-DE" sz="2600" dirty="0">
+                <a:latin typeface="+mj-lt"/>
+              </a:rPr>
+              <a:t>Präsentation Backend-Source-code, z.B. Wie wird Karte </a:t>
+            </a:r>
+            <a:r>
+              <a:rPr lang="de-DE" sz="2600" dirty="0" err="1">
+                <a:latin typeface="+mj-lt"/>
+              </a:rPr>
+              <a:t>ge</a:t>
+            </a:r>
+            <a:r>
+              <a:rPr lang="de-DE" sz="2600" dirty="0">
+                <a:latin typeface="+mj-lt"/>
+              </a:rPr>
+              <a:t>-speichert?</a:t>
             </a:r>
           </a:p>
           <a:p>
             <a:pPr lvl="1"/>
             <a:r>
-              <a:rPr lang="de-DE" dirty="0"/>
-              <a:t>Präsentation Frontend (von Annalena)</a:t>
-            </a:r>
-          </a:p>
-          <a:p>
-            <a:r>
-              <a:rPr lang="de-DE" dirty="0"/>
-              <a:t>Weitere Schritte</a:t>
+              <a:rPr lang="de-DE" sz="2600" dirty="0">
+                <a:latin typeface="+mj-lt"/>
+              </a:rPr>
+              <a:t>Präsentation Frontend</a:t>
+            </a:r>
+          </a:p>
+        </p:txBody>
+      </p:sp>
+      <p:sp>
+        <p:nvSpPr>
+          <p:cNvPr id="9" name="Textfeld 8">
+            <a:extLst>
+              <a:ext uri="{FF2B5EF4-FFF2-40B4-BE49-F238E27FC236}">
+                <a16:creationId xmlns:a16="http://schemas.microsoft.com/office/drawing/2014/main" id="{4CAB01F4-7263-4891-A5C5-2B5895A4F78A}"/>
+              </a:ext>
+            </a:extLst>
+          </p:cNvPr>
+          <p:cNvSpPr txBox="1"/>
+          <p:nvPr/>
+        </p:nvSpPr>
+        <p:spPr>
+          <a:xfrm>
+            <a:off x="6200778" y="4314825"/>
+            <a:ext cx="5114924" cy="1569660"/>
+          </a:xfrm>
+          <a:prstGeom prst="rect">
+            <a:avLst/>
+          </a:prstGeom>
+          <a:solidFill>
+            <a:schemeClr val="accent6">
+              <a:lumMod val="40000"/>
+              <a:lumOff val="60000"/>
+            </a:schemeClr>
+          </a:solidFill>
+        </p:spPr>
+        <p:txBody>
+          <a:bodyPr wrap="square" rtlCol="0">
+            <a:spAutoFit/>
+          </a:bodyPr>
+          <a:lstStyle/>
+          <a:p>
+            <a:r>
+              <a:rPr lang="de-DE" sz="2600" dirty="0"/>
+              <a:t>weitere Schritte</a:t>
             </a:r>
           </a:p>
           <a:p>
             <a:pPr lvl="1"/>
             <a:r>
-              <a:rPr lang="de-DE" dirty="0"/>
+              <a:rPr lang="de-DE" sz="2600" dirty="0">
+                <a:latin typeface="+mj-lt"/>
+              </a:rPr>
               <a:t>Notwendige Funktionen erstellen</a:t>
             </a:r>
           </a:p>
           <a:p>
             <a:pPr lvl="1"/>
             <a:r>
-              <a:rPr lang="de-DE" dirty="0"/>
+              <a:rPr lang="de-DE" sz="2600" dirty="0">
+                <a:latin typeface="+mj-lt"/>
+              </a:rPr>
               <a:t>Frontend mit Backend verbinden</a:t>
             </a:r>
+          </a:p>
+          <a:p>
+            <a:endParaRPr lang="de-DE" dirty="0"/>
           </a:p>
         </p:txBody>
       </p:sp>
@@ -4043,7 +4623,7 @@
           <p:cNvPr id="2" name="Titel 1">
             <a:extLst>
               <a:ext uri="{FF2B5EF4-FFF2-40B4-BE49-F238E27FC236}">
-                <a16:creationId xmlns:a16="http://schemas.microsoft.com/office/drawing/2014/main" id="{D30341C1-203D-4849-A580-A0F511D81F42}"/>
+                <a16:creationId xmlns:a16="http://schemas.microsoft.com/office/drawing/2014/main" id="{BD10A433-2F8B-4576-A603-F0C2D3F4D245}"/>
               </a:ext>
             </a:extLst>
           </p:cNvPr>
@@ -4061,79 +4641,231 @@
           <a:p>
             <a:r>
               <a:rPr lang="de-DE" dirty="0"/>
-              <a:t>Zielsetzung</a:t>
-            </a:r>
-          </a:p>
-        </p:txBody>
-      </p:sp>
-      <p:sp>
-        <p:nvSpPr>
-          <p:cNvPr id="3" name="Inhaltsplatzhalter 2">
-            <a:extLst>
-              <a:ext uri="{FF2B5EF4-FFF2-40B4-BE49-F238E27FC236}">
-                <a16:creationId xmlns:a16="http://schemas.microsoft.com/office/drawing/2014/main" id="{75ADFF8D-8228-44E3-BB3C-13FEA7BFECBC}"/>
-              </a:ext>
-            </a:extLst>
-          </p:cNvPr>
-          <p:cNvSpPr>
-            <a:spLocks noGrp="1"/>
-          </p:cNvSpPr>
-          <p:nvPr>
-            <p:ph idx="1"/>
-          </p:nvPr>
-        </p:nvSpPr>
-        <p:spPr/>
-        <p:txBody>
-          <a:bodyPr/>
-          <a:lstStyle/>
-          <a:p>
-            <a:r>
-              <a:rPr lang="de-DE" dirty="0"/>
-              <a:t>Motivation: Lernsoftware für Schüler / Studenten</a:t>
-            </a:r>
-          </a:p>
-          <a:p>
-            <a:r>
-              <a:rPr lang="de-DE" dirty="0"/>
-              <a:t>Karteikartensystem mit verschiedenen Registern</a:t>
-            </a:r>
-          </a:p>
-          <a:p>
-            <a:r>
-              <a:rPr lang="de-DE" dirty="0"/>
-              <a:t>Mehrere Karteikästen pro User, um Lerngebiete abzugrenzen</a:t>
-            </a:r>
-          </a:p>
-          <a:p>
-            <a:r>
-              <a:rPr lang="de-DE" dirty="0"/>
-              <a:t>Karten können selbst geschrieben werden </a:t>
-            </a:r>
-          </a:p>
-          <a:p>
-            <a:r>
-              <a:rPr lang="de-DE" dirty="0"/>
-              <a:t>Karten sollen bei richtiger Beantwortung zwischen Registern verschoben werden können</a:t>
-            </a:r>
-          </a:p>
-          <a:p>
-            <a:r>
-              <a:rPr lang="de-DE" dirty="0"/>
-              <a:t>Im Abfragemodus erscheint zuerst die Frage, auf Knopfdruck die zugehörige Antwort</a:t>
-            </a:r>
-          </a:p>
-          <a:p>
-            <a:endParaRPr lang="de-DE" dirty="0"/>
-          </a:p>
-          <a:p>
-            <a:endParaRPr lang="de-DE" dirty="0"/>
+              <a:t>DARUM SCRUM</a:t>
+            </a:r>
+          </a:p>
+        </p:txBody>
+      </p:sp>
+      <p:sp>
+        <p:nvSpPr>
+          <p:cNvPr id="4" name="Textfeld 3">
+            <a:extLst>
+              <a:ext uri="{FF2B5EF4-FFF2-40B4-BE49-F238E27FC236}">
+                <a16:creationId xmlns:a16="http://schemas.microsoft.com/office/drawing/2014/main" id="{9D93C341-25CC-4DA5-B59F-583A93ABF72A}"/>
+              </a:ext>
+            </a:extLst>
+          </p:cNvPr>
+          <p:cNvSpPr txBox="1"/>
+          <p:nvPr/>
+        </p:nvSpPr>
+        <p:spPr>
+          <a:xfrm>
+            <a:off x="838200" y="2152650"/>
+            <a:ext cx="10515599" cy="3662541"/>
+          </a:xfrm>
+          <a:prstGeom prst="rect">
+            <a:avLst/>
+          </a:prstGeom>
+          <a:noFill/>
+        </p:spPr>
+        <p:txBody>
+          <a:bodyPr wrap="square" rtlCol="0">
+            <a:spAutoFit/>
+          </a:bodyPr>
+          <a:lstStyle/>
+          <a:p>
+            <a:pPr marL="457200" indent="-457200">
+              <a:spcBef>
+                <a:spcPts val="1000"/>
+              </a:spcBef>
+              <a:buClr>
+                <a:schemeClr val="accent6">
+                  <a:lumMod val="40000"/>
+                  <a:lumOff val="60000"/>
+                </a:schemeClr>
+              </a:buClr>
+              <a:buFont typeface="Calibri Light" panose="020F0302020204030204" pitchFamily="34" charset="0"/>
+              <a:buChar char="•"/>
+            </a:pPr>
+            <a:r>
+              <a:rPr lang="de-DE" sz="2600" dirty="0"/>
+              <a:t>klar definierte</a:t>
+            </a:r>
+            <a:r>
+              <a:rPr lang="de-DE" sz="2600" dirty="0">
+                <a:latin typeface="+mj-lt"/>
+              </a:rPr>
+              <a:t> Aufgaben und Ergebnisse</a:t>
+            </a:r>
+          </a:p>
+          <a:p>
+            <a:pPr marL="457200" indent="-457200">
+              <a:spcBef>
+                <a:spcPts val="1000"/>
+              </a:spcBef>
+              <a:buClr>
+                <a:schemeClr val="accent6">
+                  <a:lumMod val="40000"/>
+                  <a:lumOff val="60000"/>
+                </a:schemeClr>
+              </a:buClr>
+              <a:buFont typeface="Calibri Light" panose="020F0302020204030204" pitchFamily="34" charset="0"/>
+              <a:buChar char="•"/>
+            </a:pPr>
+            <a:r>
+              <a:rPr lang="de-DE" sz="2600" dirty="0">
+                <a:latin typeface="+mj-lt"/>
+              </a:rPr>
+              <a:t>variable </a:t>
+            </a:r>
+            <a:r>
+              <a:rPr lang="de-DE" sz="2600" dirty="0"/>
+              <a:t>Anpassung</a:t>
+            </a:r>
+            <a:r>
+              <a:rPr lang="de-DE" sz="2600" dirty="0">
+                <a:latin typeface="+mj-lt"/>
+              </a:rPr>
+              <a:t> bei Bedarf</a:t>
+            </a:r>
+          </a:p>
+          <a:p>
+            <a:pPr marL="457200" indent="-457200">
+              <a:spcBef>
+                <a:spcPts val="1000"/>
+              </a:spcBef>
+              <a:buClr>
+                <a:schemeClr val="accent6">
+                  <a:lumMod val="40000"/>
+                  <a:lumOff val="60000"/>
+                </a:schemeClr>
+              </a:buClr>
+              <a:buFont typeface="Calibri Light" panose="020F0302020204030204" pitchFamily="34" charset="0"/>
+              <a:buChar char="•"/>
+            </a:pPr>
+            <a:r>
+              <a:rPr lang="de-DE" sz="2600" dirty="0">
+                <a:latin typeface="+mj-lt"/>
+              </a:rPr>
+              <a:t>höhere Beteiligung Einzelner durch </a:t>
+            </a:r>
+            <a:r>
+              <a:rPr lang="de-DE" sz="2600" dirty="0"/>
+              <a:t>Selbstorganisation</a:t>
+            </a:r>
+            <a:endParaRPr lang="de-DE" sz="2600" dirty="0">
+              <a:latin typeface="+mj-lt"/>
+            </a:endParaRPr>
+          </a:p>
+          <a:p>
+            <a:pPr marL="457200" indent="-457200">
+              <a:spcBef>
+                <a:spcPts val="1000"/>
+              </a:spcBef>
+              <a:buClr>
+                <a:schemeClr val="accent6">
+                  <a:lumMod val="40000"/>
+                  <a:lumOff val="60000"/>
+                </a:schemeClr>
+              </a:buClr>
+              <a:buFont typeface="Calibri Light" panose="020F0302020204030204" pitchFamily="34" charset="0"/>
+              <a:buChar char="•"/>
+            </a:pPr>
+            <a:r>
+              <a:rPr lang="de-DE" sz="2600" dirty="0">
+                <a:latin typeface="+mj-lt"/>
+              </a:rPr>
+              <a:t>hoher </a:t>
+            </a:r>
+            <a:r>
+              <a:rPr lang="de-DE" sz="2600" dirty="0"/>
+              <a:t>Kommunikationsaustausch</a:t>
+            </a:r>
+            <a:r>
+              <a:rPr lang="de-DE" sz="2600" dirty="0">
+                <a:latin typeface="+mj-lt"/>
+              </a:rPr>
+              <a:t> durch Daily </a:t>
+            </a:r>
+            <a:r>
+              <a:rPr lang="de-DE" sz="2600" dirty="0" err="1">
+                <a:latin typeface="+mj-lt"/>
+              </a:rPr>
+              <a:t>Scrum</a:t>
+            </a:r>
+            <a:r>
+              <a:rPr lang="de-DE" sz="2600" dirty="0">
+                <a:latin typeface="+mj-lt"/>
+              </a:rPr>
+              <a:t> Meetings</a:t>
+            </a:r>
+          </a:p>
+          <a:p>
+            <a:pPr marL="457200" indent="-457200">
+              <a:spcBef>
+                <a:spcPts val="1000"/>
+              </a:spcBef>
+              <a:buClr>
+                <a:schemeClr val="accent6">
+                  <a:lumMod val="40000"/>
+                  <a:lumOff val="60000"/>
+                </a:schemeClr>
+              </a:buClr>
+              <a:buFont typeface="Calibri Light" panose="020F0302020204030204" pitchFamily="34" charset="0"/>
+              <a:buChar char="•"/>
+            </a:pPr>
+            <a:r>
+              <a:rPr lang="de-DE" sz="2600" dirty="0">
+                <a:latin typeface="+mj-lt"/>
+              </a:rPr>
+              <a:t>bessere Sichtbarkeit und Überprüfung der </a:t>
+            </a:r>
+            <a:r>
+              <a:rPr lang="de-DE" sz="2600" dirty="0"/>
+              <a:t>Fortschritte</a:t>
+            </a:r>
+          </a:p>
+          <a:p>
+            <a:pPr marL="457200" indent="-457200">
+              <a:spcBef>
+                <a:spcPts val="1000"/>
+              </a:spcBef>
+              <a:buClr>
+                <a:schemeClr val="accent6">
+                  <a:lumMod val="40000"/>
+                  <a:lumOff val="60000"/>
+                </a:schemeClr>
+              </a:buClr>
+              <a:buFont typeface="Calibri Light" panose="020F0302020204030204" pitchFamily="34" charset="0"/>
+              <a:buChar char="•"/>
+            </a:pPr>
+            <a:r>
+              <a:rPr lang="de-DE" sz="2600" dirty="0">
+                <a:latin typeface="+mj-lt"/>
+              </a:rPr>
+              <a:t>stetiger </a:t>
+            </a:r>
+            <a:r>
+              <a:rPr lang="de-DE" sz="2600" dirty="0"/>
+              <a:t>Verbesserungsprozess</a:t>
+            </a:r>
+          </a:p>
+          <a:p>
+            <a:pPr>
+              <a:spcBef>
+                <a:spcPts val="1000"/>
+              </a:spcBef>
+            </a:pPr>
+            <a:endParaRPr lang="de-DE" sz="2600" dirty="0">
+              <a:latin typeface="+mj-lt"/>
+            </a:endParaRPr>
           </a:p>
         </p:txBody>
       </p:sp>
     </p:spTree>
     <p:extLst>
       <p:ext uri="{BB962C8B-B14F-4D97-AF65-F5344CB8AC3E}">
-        <p14:creationId xmlns:p14="http://schemas.microsoft.com/office/powerpoint/2010/main" val="2494619921"/>
+        <p14:creationId xmlns:p14="http://schemas.microsoft.com/office/powerpoint/2010/main" val="3915645790"/>
       </p:ext>
     </p:extLst>
   </p:cSld>
@@ -4165,7 +4897,7 @@
           <p:cNvPr id="2" name="Titel 1">
             <a:extLst>
               <a:ext uri="{FF2B5EF4-FFF2-40B4-BE49-F238E27FC236}">
-                <a16:creationId xmlns:a16="http://schemas.microsoft.com/office/drawing/2014/main" id="{76D2D5FF-9A49-4401-AB4F-730115AB40F4}"/>
+                <a16:creationId xmlns:a16="http://schemas.microsoft.com/office/drawing/2014/main" id="{BD10A433-2F8B-4576-A603-F0C2D3F4D245}"/>
               </a:ext>
             </a:extLst>
           </p:cNvPr>
@@ -4183,40 +4915,50 @@
           <a:p>
             <a:r>
               <a:rPr lang="de-DE" dirty="0"/>
-              <a:t>Use-Case-Diagramm</a:t>
-            </a:r>
-          </a:p>
-        </p:txBody>
-      </p:sp>
-      <p:sp>
-        <p:nvSpPr>
-          <p:cNvPr id="3" name="Inhaltsplatzhalter 2">
-            <a:extLst>
-              <a:ext uri="{FF2B5EF4-FFF2-40B4-BE49-F238E27FC236}">
-                <a16:creationId xmlns:a16="http://schemas.microsoft.com/office/drawing/2014/main" id="{F18304B8-ADB1-4178-B014-3BA1637E7E0A}"/>
-              </a:ext>
-            </a:extLst>
-          </p:cNvPr>
-          <p:cNvSpPr>
-            <a:spLocks noGrp="1"/>
-          </p:cNvSpPr>
-          <p:nvPr>
-            <p:ph idx="1"/>
-          </p:nvPr>
-        </p:nvSpPr>
-        <p:spPr/>
-        <p:txBody>
-          <a:bodyPr/>
-          <a:lstStyle/>
-          <a:p>
-            <a:endParaRPr lang="de-DE" dirty="0"/>
-          </a:p>
-        </p:txBody>
-      </p:sp>
+              <a:t>SPRINT BACKLOG</a:t>
+            </a:r>
+          </a:p>
+        </p:txBody>
+      </p:sp>
+      <p:pic>
+        <p:nvPicPr>
+          <p:cNvPr id="5" name="Grafik 4" descr="Ein Bild, das drinnen, Screenshot, Computer, sitzend enthält.&#10;&#10;Automatisch generierte Beschreibung">
+            <a:extLst>
+              <a:ext uri="{FF2B5EF4-FFF2-40B4-BE49-F238E27FC236}">
+                <a16:creationId xmlns:a16="http://schemas.microsoft.com/office/drawing/2014/main" id="{B19270E1-006A-45E4-8F18-B6DED06D1751}"/>
+              </a:ext>
+            </a:extLst>
+          </p:cNvPr>
+          <p:cNvPicPr>
+            <a:picLocks noChangeAspect="1"/>
+          </p:cNvPicPr>
+          <p:nvPr/>
+        </p:nvPicPr>
+        <p:blipFill rotWithShape="1">
+          <a:blip r:embed="rId2">
+            <a:extLst>
+              <a:ext uri="{28A0092B-C50C-407E-A947-70E740481C1C}">
+                <a14:useLocalDpi xmlns:a14="http://schemas.microsoft.com/office/drawing/2010/main" val="0"/>
+              </a:ext>
+            </a:extLst>
+          </a:blip>
+          <a:srcRect l="1207" t="12449" r="7615" b="7054"/>
+          <a:stretch/>
+        </p:blipFill>
+        <p:spPr>
+          <a:xfrm>
+            <a:off x="838200" y="1672931"/>
+            <a:ext cx="10072957" cy="5023143"/>
+          </a:xfrm>
+          <a:prstGeom prst="rect">
+            <a:avLst/>
+          </a:prstGeom>
+        </p:spPr>
+      </p:pic>
     </p:spTree>
     <p:extLst>
       <p:ext uri="{BB962C8B-B14F-4D97-AF65-F5344CB8AC3E}">
-        <p14:creationId xmlns:p14="http://schemas.microsoft.com/office/powerpoint/2010/main" val="4061297379"/>
+        <p14:creationId xmlns:p14="http://schemas.microsoft.com/office/powerpoint/2010/main" val="875733240"/>
       </p:ext>
     </p:extLst>
   </p:cSld>
@@ -4248,7 +4990,7 @@
           <p:cNvPr id="2" name="Titel 1">
             <a:extLst>
               <a:ext uri="{FF2B5EF4-FFF2-40B4-BE49-F238E27FC236}">
-                <a16:creationId xmlns:a16="http://schemas.microsoft.com/office/drawing/2014/main" id="{C53219CA-1D2B-4E74-8A15-BF903A2DC17A}"/>
+                <a16:creationId xmlns:a16="http://schemas.microsoft.com/office/drawing/2014/main" id="{D30341C1-203D-4849-A580-A0F511D81F42}"/>
               </a:ext>
             </a:extLst>
           </p:cNvPr>
@@ -4266,50 +5008,194 @@
           <a:p>
             <a:r>
               <a:rPr lang="de-DE" dirty="0"/>
-              <a:t>Domain Model</a:t>
-            </a:r>
-          </a:p>
-        </p:txBody>
-      </p:sp>
-      <p:pic>
-        <p:nvPicPr>
-          <p:cNvPr id="8" name="Inhaltsplatzhalter 7">
-            <a:extLst>
-              <a:ext uri="{FF2B5EF4-FFF2-40B4-BE49-F238E27FC236}">
-                <a16:creationId xmlns:a16="http://schemas.microsoft.com/office/drawing/2014/main" id="{9298953C-F9C0-45DF-91DD-91FFBE887A65}"/>
-              </a:ext>
-            </a:extLst>
-          </p:cNvPr>
-          <p:cNvPicPr>
-            <a:picLocks noGrp="1" noChangeAspect="1"/>
-          </p:cNvPicPr>
+              <a:t>ZIELSETZUNG</a:t>
+            </a:r>
+          </a:p>
+        </p:txBody>
+      </p:sp>
+      <p:sp>
+        <p:nvSpPr>
+          <p:cNvPr id="3" name="Inhaltsplatzhalter 2">
+            <a:extLst>
+              <a:ext uri="{FF2B5EF4-FFF2-40B4-BE49-F238E27FC236}">
+                <a16:creationId xmlns:a16="http://schemas.microsoft.com/office/drawing/2014/main" id="{75ADFF8D-8228-44E3-BB3C-13FEA7BFECBC}"/>
+              </a:ext>
+            </a:extLst>
+          </p:cNvPr>
+          <p:cNvSpPr>
+            <a:spLocks noGrp="1"/>
+          </p:cNvSpPr>
           <p:nvPr>
             <p:ph idx="1"/>
           </p:nvPr>
-        </p:nvPicPr>
-        <p:blipFill>
-          <a:blip r:embed="rId2">
-            <a:extLst>
-              <a:ext uri="{28A0092B-C50C-407E-A947-70E740481C1C}">
-                <a14:useLocalDpi xmlns:a14="http://schemas.microsoft.com/office/drawing/2010/main" val="0"/>
-              </a:ext>
-            </a:extLst>
-          </a:blip>
-          <a:stretch>
-            <a:fillRect/>
-          </a:stretch>
-        </p:blipFill>
+        </p:nvSpPr>
         <p:spPr>
           <a:xfrm>
-            <a:off x="2530126" y="1401261"/>
-            <a:ext cx="7131747" cy="5091614"/>
+            <a:off x="838200" y="2178049"/>
+            <a:ext cx="10515600" cy="3051175"/>
           </a:xfrm>
         </p:spPr>
-      </p:pic>
+        <p:txBody>
+          <a:bodyPr>
+            <a:normAutofit lnSpcReduction="10000"/>
+          </a:bodyPr>
+          <a:lstStyle/>
+          <a:p>
+            <a:pPr>
+              <a:lnSpc>
+                <a:spcPct val="100000"/>
+              </a:lnSpc>
+              <a:buClr>
+                <a:schemeClr val="accent6">
+                  <a:lumMod val="40000"/>
+                  <a:lumOff val="60000"/>
+                </a:schemeClr>
+              </a:buClr>
+            </a:pPr>
+            <a:r>
+              <a:rPr lang="de-DE" sz="2600" dirty="0"/>
+              <a:t>Motivation: </a:t>
+            </a:r>
+            <a:r>
+              <a:rPr lang="de-DE" sz="2600" dirty="0">
+                <a:latin typeface="+mj-lt"/>
+              </a:rPr>
+              <a:t>Lernsoftware für Schüler / Studenten / erwachsene Lernende</a:t>
+            </a:r>
+          </a:p>
+          <a:p>
+            <a:pPr>
+              <a:lnSpc>
+                <a:spcPct val="100000"/>
+              </a:lnSpc>
+              <a:buClr>
+                <a:schemeClr val="accent6">
+                  <a:lumMod val="40000"/>
+                  <a:lumOff val="60000"/>
+                </a:schemeClr>
+              </a:buClr>
+            </a:pPr>
+            <a:r>
+              <a:rPr lang="de-DE" sz="2600" dirty="0"/>
+              <a:t>Karteikartensystem </a:t>
+            </a:r>
+            <a:r>
+              <a:rPr lang="de-DE" sz="2600" dirty="0">
+                <a:latin typeface="+mj-lt"/>
+              </a:rPr>
+              <a:t>mit verschiedenen Registern</a:t>
+            </a:r>
+          </a:p>
+          <a:p>
+            <a:pPr>
+              <a:lnSpc>
+                <a:spcPct val="100000"/>
+              </a:lnSpc>
+              <a:buClr>
+                <a:schemeClr val="accent6">
+                  <a:lumMod val="40000"/>
+                  <a:lumOff val="60000"/>
+                </a:schemeClr>
+              </a:buClr>
+            </a:pPr>
+            <a:r>
+              <a:rPr lang="de-DE" sz="2600" dirty="0">
+                <a:latin typeface="+mj-lt"/>
+              </a:rPr>
+              <a:t>mehrere Karteikästen pro User, um </a:t>
+            </a:r>
+            <a:r>
+              <a:rPr lang="de-DE" sz="2600" dirty="0"/>
+              <a:t>Lerngebiete </a:t>
+            </a:r>
+            <a:r>
+              <a:rPr lang="de-DE" sz="2600" dirty="0">
+                <a:latin typeface="+mj-lt"/>
+              </a:rPr>
+              <a:t>abzugrenzen</a:t>
+            </a:r>
+          </a:p>
+          <a:p>
+            <a:pPr>
+              <a:lnSpc>
+                <a:spcPct val="100000"/>
+              </a:lnSpc>
+              <a:buClr>
+                <a:schemeClr val="accent6">
+                  <a:lumMod val="40000"/>
+                  <a:lumOff val="60000"/>
+                </a:schemeClr>
+              </a:buClr>
+            </a:pPr>
+            <a:r>
+              <a:rPr lang="de-DE" sz="2600" dirty="0">
+                <a:latin typeface="+mj-lt"/>
+              </a:rPr>
+              <a:t>Karten werden durch den </a:t>
+            </a:r>
+            <a:r>
+              <a:rPr lang="de-DE" sz="2600" dirty="0"/>
+              <a:t>User befüllt </a:t>
+            </a:r>
+          </a:p>
+          <a:p>
+            <a:pPr>
+              <a:lnSpc>
+                <a:spcPct val="100000"/>
+              </a:lnSpc>
+              <a:buClr>
+                <a:schemeClr val="accent6">
+                  <a:lumMod val="40000"/>
+                  <a:lumOff val="60000"/>
+                </a:schemeClr>
+              </a:buClr>
+            </a:pPr>
+            <a:r>
+              <a:rPr lang="de-DE" sz="2600" dirty="0"/>
+              <a:t>Abfragemodus </a:t>
+            </a:r>
+            <a:r>
+              <a:rPr lang="de-DE" sz="2600" dirty="0">
+                <a:latin typeface="+mj-lt"/>
+              </a:rPr>
+              <a:t>öffnet die Frage, auf Knopfdruck die zugehörige Antwort</a:t>
+            </a:r>
+          </a:p>
+          <a:p>
+            <a:pPr>
+              <a:lnSpc>
+                <a:spcPct val="100000"/>
+              </a:lnSpc>
+              <a:buClr>
+                <a:schemeClr val="accent6">
+                  <a:lumMod val="40000"/>
+                  <a:lumOff val="60000"/>
+                </a:schemeClr>
+              </a:buClr>
+            </a:pPr>
+            <a:r>
+              <a:rPr lang="de-DE" sz="2600" dirty="0">
+                <a:latin typeface="+mj-lt"/>
+              </a:rPr>
+              <a:t>Karten werden bei </a:t>
+            </a:r>
+            <a:r>
+              <a:rPr lang="de-DE" sz="2600" dirty="0"/>
+              <a:t>korrekter Beantwortung </a:t>
+            </a:r>
+            <a:r>
+              <a:rPr lang="de-DE" sz="2600" dirty="0">
+                <a:latin typeface="+mj-lt"/>
+              </a:rPr>
+              <a:t>ein Register weiter geschoben</a:t>
+            </a:r>
+          </a:p>
+        </p:txBody>
+      </p:sp>
     </p:spTree>
     <p:extLst>
       <p:ext uri="{BB962C8B-B14F-4D97-AF65-F5344CB8AC3E}">
-        <p14:creationId xmlns:p14="http://schemas.microsoft.com/office/powerpoint/2010/main" val="1385355927"/>
+        <p14:creationId xmlns:p14="http://schemas.microsoft.com/office/powerpoint/2010/main" val="2494619921"/>
       </p:ext>
     </p:extLst>
   </p:cSld>
@@ -4341,6 +5227,1478 @@
           <p:cNvPr id="2" name="Titel 1">
             <a:extLst>
               <a:ext uri="{FF2B5EF4-FFF2-40B4-BE49-F238E27FC236}">
+                <a16:creationId xmlns:a16="http://schemas.microsoft.com/office/drawing/2014/main" id="{76D2D5FF-9A49-4401-AB4F-730115AB40F4}"/>
+              </a:ext>
+            </a:extLst>
+          </p:cNvPr>
+          <p:cNvSpPr>
+            <a:spLocks noGrp="1"/>
+          </p:cNvSpPr>
+          <p:nvPr>
+            <p:ph type="title"/>
+          </p:nvPr>
+        </p:nvSpPr>
+        <p:spPr/>
+        <p:txBody>
+          <a:bodyPr/>
+          <a:lstStyle/>
+          <a:p>
+            <a:r>
+              <a:rPr lang="de-DE" dirty="0"/>
+              <a:t>USE-CASE: LOGIN</a:t>
+            </a:r>
+          </a:p>
+        </p:txBody>
+      </p:sp>
+      <p:pic>
+        <p:nvPicPr>
+          <p:cNvPr id="5" name="Grafik 4">
+            <a:extLst>
+              <a:ext uri="{FF2B5EF4-FFF2-40B4-BE49-F238E27FC236}">
+                <a16:creationId xmlns:a16="http://schemas.microsoft.com/office/drawing/2014/main" id="{AFE68E55-E6C3-4C35-B8AF-7E2784D34E5D}"/>
+              </a:ext>
+            </a:extLst>
+          </p:cNvPr>
+          <p:cNvPicPr>
+            <a:picLocks noChangeAspect="1"/>
+          </p:cNvPicPr>
+          <p:nvPr/>
+        </p:nvPicPr>
+        <p:blipFill>
+          <a:blip r:embed="rId2"/>
+          <a:stretch>
+            <a:fillRect/>
+          </a:stretch>
+        </p:blipFill>
+        <p:spPr>
+          <a:xfrm>
+            <a:off x="3283744" y="1540704"/>
+            <a:ext cx="5624512" cy="5107746"/>
+          </a:xfrm>
+          <a:prstGeom prst="rect">
+            <a:avLst/>
+          </a:prstGeom>
+        </p:spPr>
+      </p:pic>
+    </p:spTree>
+    <p:extLst>
+      <p:ext uri="{BB962C8B-B14F-4D97-AF65-F5344CB8AC3E}">
+        <p14:creationId xmlns:p14="http://schemas.microsoft.com/office/powerpoint/2010/main" val="4061297379"/>
+      </p:ext>
+    </p:extLst>
+  </p:cSld>
+  <p:clrMapOvr>
+    <a:masterClrMapping/>
+  </p:clrMapOvr>
+</p:sld>
+</file>
+
+<file path=ppt/slides/slide7.xml><?xml version="1.0" encoding="utf-8"?>
+<p:sld xmlns:a="http://schemas.openxmlformats.org/drawingml/2006/main" xmlns:r="http://schemas.openxmlformats.org/officeDocument/2006/relationships" xmlns:p="http://schemas.openxmlformats.org/presentationml/2006/main">
+  <p:cSld>
+    <p:spTree>
+      <p:nvGrpSpPr>
+        <p:cNvPr id="1" name=""/>
+        <p:cNvGrpSpPr/>
+        <p:nvPr/>
+      </p:nvGrpSpPr>
+      <p:grpSpPr>
+        <a:xfrm>
+          <a:off x="0" y="0"/>
+          <a:ext cx="0" cy="0"/>
+          <a:chOff x="0" y="0"/>
+          <a:chExt cx="0" cy="0"/>
+        </a:xfrm>
+      </p:grpSpPr>
+      <p:sp>
+        <p:nvSpPr>
+          <p:cNvPr id="2" name="Titel 1">
+            <a:extLst>
+              <a:ext uri="{FF2B5EF4-FFF2-40B4-BE49-F238E27FC236}">
+                <a16:creationId xmlns:a16="http://schemas.microsoft.com/office/drawing/2014/main" id="{76D2D5FF-9A49-4401-AB4F-730115AB40F4}"/>
+              </a:ext>
+            </a:extLst>
+          </p:cNvPr>
+          <p:cNvSpPr>
+            <a:spLocks noGrp="1"/>
+          </p:cNvSpPr>
+          <p:nvPr>
+            <p:ph type="title"/>
+          </p:nvPr>
+        </p:nvSpPr>
+        <p:spPr/>
+        <p:txBody>
+          <a:bodyPr/>
+          <a:lstStyle/>
+          <a:p>
+            <a:r>
+              <a:rPr lang="de-DE" dirty="0"/>
+              <a:t>USE-CASE: </a:t>
+            </a:r>
+            <a:r>
+              <a:rPr lang="de-DE" dirty="0" err="1"/>
+              <a:t>CreateFileCard</a:t>
+            </a:r>
+            <a:endParaRPr lang="de-DE" dirty="0"/>
+          </a:p>
+        </p:txBody>
+      </p:sp>
+      <p:pic>
+        <p:nvPicPr>
+          <p:cNvPr id="6" name="Grafik 5">
+            <a:extLst>
+              <a:ext uri="{FF2B5EF4-FFF2-40B4-BE49-F238E27FC236}">
+                <a16:creationId xmlns:a16="http://schemas.microsoft.com/office/drawing/2014/main" id="{E94AA55C-6FC7-45A6-9BF6-ED0576C324B5}"/>
+              </a:ext>
+            </a:extLst>
+          </p:cNvPr>
+          <p:cNvPicPr>
+            <a:picLocks noChangeAspect="1"/>
+          </p:cNvPicPr>
+          <p:nvPr/>
+        </p:nvPicPr>
+        <p:blipFill>
+          <a:blip r:embed="rId2"/>
+          <a:stretch>
+            <a:fillRect/>
+          </a:stretch>
+        </p:blipFill>
+        <p:spPr>
+          <a:xfrm>
+            <a:off x="2989472" y="1568359"/>
+            <a:ext cx="6213056" cy="4980372"/>
+          </a:xfrm>
+          <a:prstGeom prst="rect">
+            <a:avLst/>
+          </a:prstGeom>
+        </p:spPr>
+      </p:pic>
+    </p:spTree>
+    <p:extLst>
+      <p:ext uri="{BB962C8B-B14F-4D97-AF65-F5344CB8AC3E}">
+        <p14:creationId xmlns:p14="http://schemas.microsoft.com/office/powerpoint/2010/main" val="3891389818"/>
+      </p:ext>
+    </p:extLst>
+  </p:cSld>
+  <p:clrMapOvr>
+    <a:masterClrMapping/>
+  </p:clrMapOvr>
+</p:sld>
+</file>
+
+<file path=ppt/slides/slide8.xml><?xml version="1.0" encoding="utf-8"?>
+<p:sld xmlns:a="http://schemas.openxmlformats.org/drawingml/2006/main" xmlns:r="http://schemas.openxmlformats.org/officeDocument/2006/relationships" xmlns:p="http://schemas.openxmlformats.org/presentationml/2006/main">
+  <p:cSld>
+    <p:spTree>
+      <p:nvGrpSpPr>
+        <p:cNvPr id="1" name=""/>
+        <p:cNvGrpSpPr/>
+        <p:nvPr/>
+      </p:nvGrpSpPr>
+      <p:grpSpPr>
+        <a:xfrm>
+          <a:off x="0" y="0"/>
+          <a:ext cx="0" cy="0"/>
+          <a:chOff x="0" y="0"/>
+          <a:chExt cx="0" cy="0"/>
+        </a:xfrm>
+      </p:grpSpPr>
+      <p:sp>
+        <p:nvSpPr>
+          <p:cNvPr id="2" name="Titel 1">
+            <a:extLst>
+              <a:ext uri="{FF2B5EF4-FFF2-40B4-BE49-F238E27FC236}">
+                <a16:creationId xmlns:a16="http://schemas.microsoft.com/office/drawing/2014/main" id="{C53219CA-1D2B-4E74-8A15-BF903A2DC17A}"/>
+              </a:ext>
+            </a:extLst>
+          </p:cNvPr>
+          <p:cNvSpPr>
+            <a:spLocks noGrp="1"/>
+          </p:cNvSpPr>
+          <p:nvPr>
+            <p:ph type="title"/>
+          </p:nvPr>
+        </p:nvSpPr>
+        <p:spPr/>
+        <p:txBody>
+          <a:bodyPr/>
+          <a:lstStyle/>
+          <a:p>
+            <a:r>
+              <a:rPr lang="de-DE" dirty="0"/>
+              <a:t>DOMAIN MODEL</a:t>
+            </a:r>
+          </a:p>
+        </p:txBody>
+      </p:sp>
+      <p:sp>
+        <p:nvSpPr>
+          <p:cNvPr id="9" name="Titel 1">
+            <a:extLst>
+              <a:ext uri="{FF2B5EF4-FFF2-40B4-BE49-F238E27FC236}">
+                <a16:creationId xmlns:a16="http://schemas.microsoft.com/office/drawing/2014/main" id="{87D391AA-7CB6-42DD-9AE6-4D7F076D1466}"/>
+              </a:ext>
+            </a:extLst>
+          </p:cNvPr>
+          <p:cNvSpPr txBox="1">
+            <a:spLocks/>
+          </p:cNvSpPr>
+          <p:nvPr/>
+        </p:nvSpPr>
+        <p:spPr>
+          <a:xfrm>
+            <a:off x="838200" y="2406357"/>
+            <a:ext cx="10515600" cy="1325563"/>
+          </a:xfrm>
+          <a:prstGeom prst="rect">
+            <a:avLst/>
+          </a:prstGeom>
+        </p:spPr>
+        <p:txBody>
+          <a:bodyPr vert="horz" lIns="91440" tIns="45720" rIns="91440" bIns="45720" rtlCol="0" anchor="ctr">
+            <a:normAutofit/>
+          </a:bodyPr>
+          <a:lstStyle>
+            <a:lvl1pPr algn="l" defTabSz="914400" rtl="0" eaLnBrk="1" latinLnBrk="0" hangingPunct="1">
+              <a:lnSpc>
+                <a:spcPct val="90000"/>
+              </a:lnSpc>
+              <a:spcBef>
+                <a:spcPct val="0"/>
+              </a:spcBef>
+              <a:buNone/>
+              <a:defRPr sz="4400" kern="1200">
+                <a:solidFill>
+                  <a:srgbClr val="7030A0"/>
+                </a:solidFill>
+                <a:latin typeface="+mj-lt"/>
+                <a:ea typeface="+mj-ea"/>
+                <a:cs typeface="+mj-cs"/>
+              </a:defRPr>
+            </a:lvl1pPr>
+          </a:lstStyle>
+          <a:p>
+            <a:r>
+              <a:rPr lang="de-DE" dirty="0"/>
+              <a:t>AKTIVITÄTSDIAGRAMM: LOGIN</a:t>
+            </a:r>
+          </a:p>
+        </p:txBody>
+      </p:sp>
+      <p:sp>
+        <p:nvSpPr>
+          <p:cNvPr id="10" name="Rechteck 9">
+            <a:extLst>
+              <a:ext uri="{FF2B5EF4-FFF2-40B4-BE49-F238E27FC236}">
+                <a16:creationId xmlns:a16="http://schemas.microsoft.com/office/drawing/2014/main" id="{BDECFBEE-AD21-4783-A694-738E39C94E5C}"/>
+              </a:ext>
+            </a:extLst>
+          </p:cNvPr>
+          <p:cNvSpPr/>
+          <p:nvPr/>
+        </p:nvSpPr>
+        <p:spPr>
+          <a:xfrm>
+            <a:off x="0" y="3458886"/>
+            <a:ext cx="11340000" cy="36000"/>
+          </a:xfrm>
+          <a:prstGeom prst="rect">
+            <a:avLst/>
+          </a:prstGeom>
+          <a:solidFill>
+            <a:schemeClr val="accent6">
+              <a:lumMod val="40000"/>
+              <a:lumOff val="60000"/>
+            </a:schemeClr>
+          </a:solidFill>
+          <a:ln>
+            <a:noFill/>
+          </a:ln>
+        </p:spPr>
+        <p:style>
+          <a:lnRef idx="2">
+            <a:schemeClr val="accent1">
+              <a:shade val="50000"/>
+            </a:schemeClr>
+          </a:lnRef>
+          <a:fillRef idx="1">
+            <a:schemeClr val="accent1"/>
+          </a:fillRef>
+          <a:effectRef idx="0">
+            <a:schemeClr val="accent1"/>
+          </a:effectRef>
+          <a:fontRef idx="minor">
+            <a:schemeClr val="lt1"/>
+          </a:fontRef>
+        </p:style>
+        <p:txBody>
+          <a:bodyPr rtlCol="0" anchor="ctr"/>
+          <a:lstStyle/>
+          <a:p>
+            <a:pPr algn="ctr"/>
+            <a:endParaRPr lang="de-DE" dirty="0"/>
+          </a:p>
+        </p:txBody>
+      </p:sp>
+      <p:sp>
+        <p:nvSpPr>
+          <p:cNvPr id="11" name="Titel 1">
+            <a:extLst>
+              <a:ext uri="{FF2B5EF4-FFF2-40B4-BE49-F238E27FC236}">
+                <a16:creationId xmlns:a16="http://schemas.microsoft.com/office/drawing/2014/main" id="{BB4A918D-E28F-4850-833C-B5A0AD753533}"/>
+              </a:ext>
+            </a:extLst>
+          </p:cNvPr>
+          <p:cNvSpPr txBox="1">
+            <a:spLocks/>
+          </p:cNvSpPr>
+          <p:nvPr/>
+        </p:nvSpPr>
+        <p:spPr>
+          <a:xfrm>
+            <a:off x="838200" y="3435057"/>
+            <a:ext cx="10515600" cy="1325563"/>
+          </a:xfrm>
+          <a:prstGeom prst="rect">
+            <a:avLst/>
+          </a:prstGeom>
+        </p:spPr>
+        <p:txBody>
+          <a:bodyPr vert="horz" lIns="91440" tIns="45720" rIns="91440" bIns="45720" rtlCol="0" anchor="ctr">
+            <a:normAutofit/>
+          </a:bodyPr>
+          <a:lstStyle>
+            <a:lvl1pPr algn="l" defTabSz="914400" rtl="0" eaLnBrk="1" latinLnBrk="0" hangingPunct="1">
+              <a:lnSpc>
+                <a:spcPct val="90000"/>
+              </a:lnSpc>
+              <a:spcBef>
+                <a:spcPct val="0"/>
+              </a:spcBef>
+              <a:buNone/>
+              <a:defRPr sz="4400" kern="1200">
+                <a:solidFill>
+                  <a:srgbClr val="7030A0"/>
+                </a:solidFill>
+                <a:latin typeface="+mj-lt"/>
+                <a:ea typeface="+mj-ea"/>
+                <a:cs typeface="+mj-cs"/>
+              </a:defRPr>
+            </a:lvl1pPr>
+          </a:lstStyle>
+          <a:p>
+            <a:r>
+              <a:rPr lang="de-DE" dirty="0"/>
+              <a:t>AKTIVITÄTSDIAGRAMM: </a:t>
+            </a:r>
+            <a:r>
+              <a:rPr lang="de-DE" dirty="0" err="1"/>
+              <a:t>CreateFileCard</a:t>
+            </a:r>
+            <a:endParaRPr lang="de-DE" dirty="0"/>
+          </a:p>
+        </p:txBody>
+      </p:sp>
+      <p:sp>
+        <p:nvSpPr>
+          <p:cNvPr id="12" name="Rechteck 11">
+            <a:extLst>
+              <a:ext uri="{FF2B5EF4-FFF2-40B4-BE49-F238E27FC236}">
+                <a16:creationId xmlns:a16="http://schemas.microsoft.com/office/drawing/2014/main" id="{ECB83F62-06C0-4C69-88B4-BCC6576744F2}"/>
+              </a:ext>
+            </a:extLst>
+          </p:cNvPr>
+          <p:cNvSpPr/>
+          <p:nvPr/>
+        </p:nvSpPr>
+        <p:spPr>
+          <a:xfrm>
+            <a:off x="0" y="4487586"/>
+            <a:ext cx="11340000" cy="36000"/>
+          </a:xfrm>
+          <a:prstGeom prst="rect">
+            <a:avLst/>
+          </a:prstGeom>
+          <a:solidFill>
+            <a:schemeClr val="accent6">
+              <a:lumMod val="40000"/>
+              <a:lumOff val="60000"/>
+            </a:schemeClr>
+          </a:solidFill>
+          <a:ln>
+            <a:noFill/>
+          </a:ln>
+        </p:spPr>
+        <p:style>
+          <a:lnRef idx="2">
+            <a:schemeClr val="accent1">
+              <a:shade val="50000"/>
+            </a:schemeClr>
+          </a:lnRef>
+          <a:fillRef idx="1">
+            <a:schemeClr val="accent1"/>
+          </a:fillRef>
+          <a:effectRef idx="0">
+            <a:schemeClr val="accent1"/>
+          </a:effectRef>
+          <a:fontRef idx="minor">
+            <a:schemeClr val="lt1"/>
+          </a:fontRef>
+        </p:style>
+        <p:txBody>
+          <a:bodyPr rtlCol="0" anchor="ctr"/>
+          <a:lstStyle/>
+          <a:p>
+            <a:pPr algn="ctr"/>
+            <a:endParaRPr lang="de-DE" dirty="0"/>
+          </a:p>
+        </p:txBody>
+      </p:sp>
+      <p:sp>
+        <p:nvSpPr>
+          <p:cNvPr id="13" name="Titel 1">
+            <a:extLst>
+              <a:ext uri="{FF2B5EF4-FFF2-40B4-BE49-F238E27FC236}">
+                <a16:creationId xmlns:a16="http://schemas.microsoft.com/office/drawing/2014/main" id="{FFD5BC8D-B204-4CB4-BB2D-0ACB46453AF2}"/>
+              </a:ext>
+            </a:extLst>
+          </p:cNvPr>
+          <p:cNvSpPr txBox="1">
+            <a:spLocks/>
+          </p:cNvSpPr>
+          <p:nvPr/>
+        </p:nvSpPr>
+        <p:spPr>
+          <a:xfrm>
+            <a:off x="838200" y="4454232"/>
+            <a:ext cx="10515600" cy="1325563"/>
+          </a:xfrm>
+          <a:prstGeom prst="rect">
+            <a:avLst/>
+          </a:prstGeom>
+        </p:spPr>
+        <p:txBody>
+          <a:bodyPr vert="horz" lIns="91440" tIns="45720" rIns="91440" bIns="45720" rtlCol="0" anchor="ctr">
+            <a:normAutofit/>
+          </a:bodyPr>
+          <a:lstStyle>
+            <a:lvl1pPr algn="l" defTabSz="914400" rtl="0" eaLnBrk="1" latinLnBrk="0" hangingPunct="1">
+              <a:lnSpc>
+                <a:spcPct val="90000"/>
+              </a:lnSpc>
+              <a:spcBef>
+                <a:spcPct val="0"/>
+              </a:spcBef>
+              <a:buNone/>
+              <a:defRPr sz="4400" kern="1200">
+                <a:solidFill>
+                  <a:srgbClr val="7030A0"/>
+                </a:solidFill>
+                <a:latin typeface="+mj-lt"/>
+                <a:ea typeface="+mj-ea"/>
+                <a:cs typeface="+mj-cs"/>
+              </a:defRPr>
+            </a:lvl1pPr>
+          </a:lstStyle>
+          <a:p>
+            <a:r>
+              <a:rPr lang="de-DE" dirty="0"/>
+              <a:t>SEQUENZDIAGRAMM: LOGIN</a:t>
+            </a:r>
+          </a:p>
+        </p:txBody>
+      </p:sp>
+      <p:sp>
+        <p:nvSpPr>
+          <p:cNvPr id="14" name="Rechteck 13">
+            <a:extLst>
+              <a:ext uri="{FF2B5EF4-FFF2-40B4-BE49-F238E27FC236}">
+                <a16:creationId xmlns:a16="http://schemas.microsoft.com/office/drawing/2014/main" id="{1B44FCFD-DB1C-4C56-83D6-32B596587DB0}"/>
+              </a:ext>
+            </a:extLst>
+          </p:cNvPr>
+          <p:cNvSpPr/>
+          <p:nvPr/>
+        </p:nvSpPr>
+        <p:spPr>
+          <a:xfrm>
+            <a:off x="0" y="5506761"/>
+            <a:ext cx="11340000" cy="36000"/>
+          </a:xfrm>
+          <a:prstGeom prst="rect">
+            <a:avLst/>
+          </a:prstGeom>
+          <a:solidFill>
+            <a:schemeClr val="accent6">
+              <a:lumMod val="40000"/>
+              <a:lumOff val="60000"/>
+            </a:schemeClr>
+          </a:solidFill>
+          <a:ln>
+            <a:noFill/>
+          </a:ln>
+        </p:spPr>
+        <p:style>
+          <a:lnRef idx="2">
+            <a:schemeClr val="accent1">
+              <a:shade val="50000"/>
+            </a:schemeClr>
+          </a:lnRef>
+          <a:fillRef idx="1">
+            <a:schemeClr val="accent1"/>
+          </a:fillRef>
+          <a:effectRef idx="0">
+            <a:schemeClr val="accent1"/>
+          </a:effectRef>
+          <a:fontRef idx="minor">
+            <a:schemeClr val="lt1"/>
+          </a:fontRef>
+        </p:style>
+        <p:txBody>
+          <a:bodyPr rtlCol="0" anchor="ctr"/>
+          <a:lstStyle/>
+          <a:p>
+            <a:pPr algn="ctr"/>
+            <a:endParaRPr lang="de-DE" dirty="0"/>
+          </a:p>
+        </p:txBody>
+      </p:sp>
+      <p:sp>
+        <p:nvSpPr>
+          <p:cNvPr id="15" name="Titel 1">
+            <a:extLst>
+              <a:ext uri="{FF2B5EF4-FFF2-40B4-BE49-F238E27FC236}">
+                <a16:creationId xmlns:a16="http://schemas.microsoft.com/office/drawing/2014/main" id="{4FBB3D25-5A5B-4324-AEBD-0C30C05214BF}"/>
+              </a:ext>
+            </a:extLst>
+          </p:cNvPr>
+          <p:cNvSpPr txBox="1">
+            <a:spLocks/>
+          </p:cNvSpPr>
+          <p:nvPr/>
+        </p:nvSpPr>
+        <p:spPr>
+          <a:xfrm>
+            <a:off x="838200" y="1377657"/>
+            <a:ext cx="10515600" cy="1325563"/>
+          </a:xfrm>
+          <a:prstGeom prst="rect">
+            <a:avLst/>
+          </a:prstGeom>
+        </p:spPr>
+        <p:txBody>
+          <a:bodyPr vert="horz" lIns="91440" tIns="45720" rIns="91440" bIns="45720" rtlCol="0" anchor="ctr">
+            <a:normAutofit/>
+          </a:bodyPr>
+          <a:lstStyle>
+            <a:lvl1pPr algn="l" defTabSz="914400" rtl="0" eaLnBrk="1" latinLnBrk="0" hangingPunct="1">
+              <a:lnSpc>
+                <a:spcPct val="90000"/>
+              </a:lnSpc>
+              <a:spcBef>
+                <a:spcPct val="0"/>
+              </a:spcBef>
+              <a:buNone/>
+              <a:defRPr sz="4400" kern="1200">
+                <a:solidFill>
+                  <a:srgbClr val="7030A0"/>
+                </a:solidFill>
+                <a:latin typeface="+mj-lt"/>
+                <a:ea typeface="+mj-ea"/>
+                <a:cs typeface="+mj-cs"/>
+              </a:defRPr>
+            </a:lvl1pPr>
+          </a:lstStyle>
+          <a:p>
+            <a:r>
+              <a:rPr lang="de-DE" dirty="0"/>
+              <a:t>KLASSENDIAGRAMM</a:t>
+            </a:r>
+          </a:p>
+        </p:txBody>
+      </p:sp>
+      <p:sp>
+        <p:nvSpPr>
+          <p:cNvPr id="16" name="Rechteck 15">
+            <a:extLst>
+              <a:ext uri="{FF2B5EF4-FFF2-40B4-BE49-F238E27FC236}">
+                <a16:creationId xmlns:a16="http://schemas.microsoft.com/office/drawing/2014/main" id="{33B24CC3-D0C4-4575-93C6-8F500C30C15D}"/>
+              </a:ext>
+            </a:extLst>
+          </p:cNvPr>
+          <p:cNvSpPr/>
+          <p:nvPr/>
+        </p:nvSpPr>
+        <p:spPr>
+          <a:xfrm>
+            <a:off x="0" y="2430186"/>
+            <a:ext cx="11340000" cy="36000"/>
+          </a:xfrm>
+          <a:prstGeom prst="rect">
+            <a:avLst/>
+          </a:prstGeom>
+          <a:solidFill>
+            <a:schemeClr val="accent6">
+              <a:lumMod val="40000"/>
+              <a:lumOff val="60000"/>
+            </a:schemeClr>
+          </a:solidFill>
+          <a:ln>
+            <a:noFill/>
+          </a:ln>
+        </p:spPr>
+        <p:style>
+          <a:lnRef idx="2">
+            <a:schemeClr val="accent1">
+              <a:shade val="50000"/>
+            </a:schemeClr>
+          </a:lnRef>
+          <a:fillRef idx="1">
+            <a:schemeClr val="accent1"/>
+          </a:fillRef>
+          <a:effectRef idx="0">
+            <a:schemeClr val="accent1"/>
+          </a:effectRef>
+          <a:fontRef idx="minor">
+            <a:schemeClr val="lt1"/>
+          </a:fontRef>
+        </p:style>
+        <p:txBody>
+          <a:bodyPr rtlCol="0" anchor="ctr"/>
+          <a:lstStyle/>
+          <a:p>
+            <a:pPr algn="ctr"/>
+            <a:endParaRPr lang="de-DE" dirty="0"/>
+          </a:p>
+        </p:txBody>
+      </p:sp>
+      <p:sp>
+        <p:nvSpPr>
+          <p:cNvPr id="17" name="Titel 1">
+            <a:extLst>
+              <a:ext uri="{FF2B5EF4-FFF2-40B4-BE49-F238E27FC236}">
+                <a16:creationId xmlns:a16="http://schemas.microsoft.com/office/drawing/2014/main" id="{47AD3B3A-B9F6-4015-9D9B-039E5DA140AE}"/>
+              </a:ext>
+            </a:extLst>
+          </p:cNvPr>
+          <p:cNvSpPr txBox="1">
+            <a:spLocks/>
+          </p:cNvSpPr>
+          <p:nvPr/>
+        </p:nvSpPr>
+        <p:spPr>
+          <a:xfrm>
+            <a:off x="838200" y="5501982"/>
+            <a:ext cx="10515600" cy="1325563"/>
+          </a:xfrm>
+          <a:prstGeom prst="rect">
+            <a:avLst/>
+          </a:prstGeom>
+        </p:spPr>
+        <p:txBody>
+          <a:bodyPr vert="horz" lIns="91440" tIns="45720" rIns="91440" bIns="45720" rtlCol="0" anchor="ctr">
+            <a:normAutofit/>
+          </a:bodyPr>
+          <a:lstStyle>
+            <a:lvl1pPr algn="l" defTabSz="914400" rtl="0" eaLnBrk="1" latinLnBrk="0" hangingPunct="1">
+              <a:lnSpc>
+                <a:spcPct val="90000"/>
+              </a:lnSpc>
+              <a:spcBef>
+                <a:spcPct val="0"/>
+              </a:spcBef>
+              <a:buNone/>
+              <a:defRPr sz="4400" kern="1200">
+                <a:solidFill>
+                  <a:srgbClr val="7030A0"/>
+                </a:solidFill>
+                <a:latin typeface="+mj-lt"/>
+                <a:ea typeface="+mj-ea"/>
+                <a:cs typeface="+mj-cs"/>
+              </a:defRPr>
+            </a:lvl1pPr>
+          </a:lstStyle>
+          <a:p>
+            <a:r>
+              <a:rPr lang="de-DE" dirty="0"/>
+              <a:t>SEQUENZDIAGRAMM: </a:t>
+            </a:r>
+            <a:r>
+              <a:rPr lang="de-DE" dirty="0" err="1"/>
+              <a:t>CreateFileCard</a:t>
+            </a:r>
+            <a:endParaRPr lang="de-DE" dirty="0"/>
+          </a:p>
+        </p:txBody>
+      </p:sp>
+      <p:sp>
+        <p:nvSpPr>
+          <p:cNvPr id="18" name="Rechteck 17">
+            <a:extLst>
+              <a:ext uri="{FF2B5EF4-FFF2-40B4-BE49-F238E27FC236}">
+                <a16:creationId xmlns:a16="http://schemas.microsoft.com/office/drawing/2014/main" id="{1D1CD0FC-F962-480B-A2A6-E4C2FA143A3E}"/>
+              </a:ext>
+            </a:extLst>
+          </p:cNvPr>
+          <p:cNvSpPr/>
+          <p:nvPr/>
+        </p:nvSpPr>
+        <p:spPr>
+          <a:xfrm>
+            <a:off x="0" y="6525936"/>
+            <a:ext cx="11340000" cy="36000"/>
+          </a:xfrm>
+          <a:prstGeom prst="rect">
+            <a:avLst/>
+          </a:prstGeom>
+          <a:solidFill>
+            <a:schemeClr val="accent6">
+              <a:lumMod val="40000"/>
+              <a:lumOff val="60000"/>
+            </a:schemeClr>
+          </a:solidFill>
+          <a:ln>
+            <a:noFill/>
+          </a:ln>
+        </p:spPr>
+        <p:style>
+          <a:lnRef idx="2">
+            <a:schemeClr val="accent1">
+              <a:shade val="50000"/>
+            </a:schemeClr>
+          </a:lnRef>
+          <a:fillRef idx="1">
+            <a:schemeClr val="accent1"/>
+          </a:fillRef>
+          <a:effectRef idx="0">
+            <a:schemeClr val="accent1"/>
+          </a:effectRef>
+          <a:fontRef idx="minor">
+            <a:schemeClr val="lt1"/>
+          </a:fontRef>
+        </p:style>
+        <p:txBody>
+          <a:bodyPr rtlCol="0" anchor="ctr"/>
+          <a:lstStyle/>
+          <a:p>
+            <a:pPr algn="ctr"/>
+            <a:endParaRPr lang="de-DE" dirty="0"/>
+          </a:p>
+        </p:txBody>
+      </p:sp>
+      <p:sp>
+        <p:nvSpPr>
+          <p:cNvPr id="7" name="Rechteck 6">
+            <a:extLst>
+              <a:ext uri="{FF2B5EF4-FFF2-40B4-BE49-F238E27FC236}">
+                <a16:creationId xmlns:a16="http://schemas.microsoft.com/office/drawing/2014/main" id="{1DEDC7D1-EDBB-41D2-ADA5-2F5E3A3E80F4}"/>
+              </a:ext>
+            </a:extLst>
+          </p:cNvPr>
+          <p:cNvSpPr/>
+          <p:nvPr/>
+        </p:nvSpPr>
+        <p:spPr>
+          <a:xfrm>
+            <a:off x="428625" y="876800"/>
+            <a:ext cx="276225" cy="266700"/>
+          </a:xfrm>
+          <a:prstGeom prst="rect">
+            <a:avLst/>
+          </a:prstGeom>
+        </p:spPr>
+        <p:style>
+          <a:lnRef idx="2">
+            <a:schemeClr val="accent1">
+              <a:shade val="50000"/>
+            </a:schemeClr>
+          </a:lnRef>
+          <a:fillRef idx="1">
+            <a:schemeClr val="accent1"/>
+          </a:fillRef>
+          <a:effectRef idx="0">
+            <a:schemeClr val="accent1"/>
+          </a:effectRef>
+          <a:fontRef idx="minor">
+            <a:schemeClr val="lt1"/>
+          </a:fontRef>
+        </p:style>
+        <p:txBody>
+          <a:bodyPr rtlCol="0" anchor="ctr"/>
+          <a:lstStyle/>
+          <a:p>
+            <a:pPr algn="ctr"/>
+            <a:endParaRPr lang="de-DE"/>
+          </a:p>
+        </p:txBody>
+      </p:sp>
+      <p:sp>
+        <p:nvSpPr>
+          <p:cNvPr id="19" name="Rechteck 18">
+            <a:extLst>
+              <a:ext uri="{FF2B5EF4-FFF2-40B4-BE49-F238E27FC236}">
+                <a16:creationId xmlns:a16="http://schemas.microsoft.com/office/drawing/2014/main" id="{3FCB12E7-E989-49FB-93D5-4B7BE2A72162}"/>
+              </a:ext>
+            </a:extLst>
+          </p:cNvPr>
+          <p:cNvSpPr/>
+          <p:nvPr/>
+        </p:nvSpPr>
+        <p:spPr>
+          <a:xfrm>
+            <a:off x="428625" y="1907088"/>
+            <a:ext cx="276225" cy="266700"/>
+          </a:xfrm>
+          <a:prstGeom prst="rect">
+            <a:avLst/>
+          </a:prstGeom>
+        </p:spPr>
+        <p:style>
+          <a:lnRef idx="2">
+            <a:schemeClr val="accent1">
+              <a:shade val="50000"/>
+            </a:schemeClr>
+          </a:lnRef>
+          <a:fillRef idx="1">
+            <a:schemeClr val="accent1"/>
+          </a:fillRef>
+          <a:effectRef idx="0">
+            <a:schemeClr val="accent1"/>
+          </a:effectRef>
+          <a:fontRef idx="minor">
+            <a:schemeClr val="lt1"/>
+          </a:fontRef>
+        </p:style>
+        <p:txBody>
+          <a:bodyPr rtlCol="0" anchor="ctr"/>
+          <a:lstStyle/>
+          <a:p>
+            <a:pPr algn="ctr"/>
+            <a:endParaRPr lang="de-DE"/>
+          </a:p>
+        </p:txBody>
+      </p:sp>
+      <p:sp>
+        <p:nvSpPr>
+          <p:cNvPr id="20" name="Rechteck 19">
+            <a:extLst>
+              <a:ext uri="{FF2B5EF4-FFF2-40B4-BE49-F238E27FC236}">
+                <a16:creationId xmlns:a16="http://schemas.microsoft.com/office/drawing/2014/main" id="{3273A1B4-8BCD-4D7C-8A9B-A1D398E8EAB7}"/>
+              </a:ext>
+            </a:extLst>
+          </p:cNvPr>
+          <p:cNvSpPr/>
+          <p:nvPr/>
+        </p:nvSpPr>
+        <p:spPr>
+          <a:xfrm>
+            <a:off x="428623" y="2929454"/>
+            <a:ext cx="276225" cy="266700"/>
+          </a:xfrm>
+          <a:prstGeom prst="rect">
+            <a:avLst/>
+          </a:prstGeom>
+        </p:spPr>
+        <p:style>
+          <a:lnRef idx="2">
+            <a:schemeClr val="accent1">
+              <a:shade val="50000"/>
+            </a:schemeClr>
+          </a:lnRef>
+          <a:fillRef idx="1">
+            <a:schemeClr val="accent1"/>
+          </a:fillRef>
+          <a:effectRef idx="0">
+            <a:schemeClr val="accent1"/>
+          </a:effectRef>
+          <a:fontRef idx="minor">
+            <a:schemeClr val="lt1"/>
+          </a:fontRef>
+        </p:style>
+        <p:txBody>
+          <a:bodyPr rtlCol="0" anchor="ctr"/>
+          <a:lstStyle/>
+          <a:p>
+            <a:pPr algn="ctr"/>
+            <a:endParaRPr lang="de-DE" dirty="0"/>
+          </a:p>
+        </p:txBody>
+      </p:sp>
+      <p:sp>
+        <p:nvSpPr>
+          <p:cNvPr id="21" name="Rechteck 20">
+            <a:extLst>
+              <a:ext uri="{FF2B5EF4-FFF2-40B4-BE49-F238E27FC236}">
+                <a16:creationId xmlns:a16="http://schemas.microsoft.com/office/drawing/2014/main" id="{A0E288FF-1851-4E1F-8D22-108FFB25AB82}"/>
+              </a:ext>
+            </a:extLst>
+          </p:cNvPr>
+          <p:cNvSpPr/>
+          <p:nvPr/>
+        </p:nvSpPr>
+        <p:spPr>
+          <a:xfrm>
+            <a:off x="428624" y="3968728"/>
+            <a:ext cx="276225" cy="266700"/>
+          </a:xfrm>
+          <a:prstGeom prst="rect">
+            <a:avLst/>
+          </a:prstGeom>
+        </p:spPr>
+        <p:style>
+          <a:lnRef idx="2">
+            <a:schemeClr val="accent1">
+              <a:shade val="50000"/>
+            </a:schemeClr>
+          </a:lnRef>
+          <a:fillRef idx="1">
+            <a:schemeClr val="accent1"/>
+          </a:fillRef>
+          <a:effectRef idx="0">
+            <a:schemeClr val="accent1"/>
+          </a:effectRef>
+          <a:fontRef idx="minor">
+            <a:schemeClr val="lt1"/>
+          </a:fontRef>
+        </p:style>
+        <p:txBody>
+          <a:bodyPr rtlCol="0" anchor="ctr"/>
+          <a:lstStyle/>
+          <a:p>
+            <a:pPr algn="ctr"/>
+            <a:endParaRPr lang="de-DE"/>
+          </a:p>
+        </p:txBody>
+      </p:sp>
+      <p:sp>
+        <p:nvSpPr>
+          <p:cNvPr id="22" name="Rechteck 21">
+            <a:extLst>
+              <a:ext uri="{FF2B5EF4-FFF2-40B4-BE49-F238E27FC236}">
+                <a16:creationId xmlns:a16="http://schemas.microsoft.com/office/drawing/2014/main" id="{3C70827D-CA90-4866-B482-685FDB514464}"/>
+              </a:ext>
+            </a:extLst>
+          </p:cNvPr>
+          <p:cNvSpPr/>
+          <p:nvPr/>
+        </p:nvSpPr>
+        <p:spPr>
+          <a:xfrm>
+            <a:off x="428624" y="4987903"/>
+            <a:ext cx="276225" cy="266700"/>
+          </a:xfrm>
+          <a:prstGeom prst="rect">
+            <a:avLst/>
+          </a:prstGeom>
+        </p:spPr>
+        <p:style>
+          <a:lnRef idx="2">
+            <a:schemeClr val="accent1">
+              <a:shade val="50000"/>
+            </a:schemeClr>
+          </a:lnRef>
+          <a:fillRef idx="1">
+            <a:schemeClr val="accent1"/>
+          </a:fillRef>
+          <a:effectRef idx="0">
+            <a:schemeClr val="accent1"/>
+          </a:effectRef>
+          <a:fontRef idx="minor">
+            <a:schemeClr val="lt1"/>
+          </a:fontRef>
+        </p:style>
+        <p:txBody>
+          <a:bodyPr rtlCol="0" anchor="ctr"/>
+          <a:lstStyle/>
+          <a:p>
+            <a:pPr algn="ctr"/>
+            <a:endParaRPr lang="de-DE"/>
+          </a:p>
+        </p:txBody>
+      </p:sp>
+      <p:sp>
+        <p:nvSpPr>
+          <p:cNvPr id="23" name="Rechteck 22">
+            <a:extLst>
+              <a:ext uri="{FF2B5EF4-FFF2-40B4-BE49-F238E27FC236}">
+                <a16:creationId xmlns:a16="http://schemas.microsoft.com/office/drawing/2014/main" id="{CD717758-A1F5-4473-A431-21776F1F659E}"/>
+              </a:ext>
+            </a:extLst>
+          </p:cNvPr>
+          <p:cNvSpPr/>
+          <p:nvPr/>
+        </p:nvSpPr>
+        <p:spPr>
+          <a:xfrm>
+            <a:off x="428625" y="6031413"/>
+            <a:ext cx="276225" cy="266700"/>
+          </a:xfrm>
+          <a:prstGeom prst="rect">
+            <a:avLst/>
+          </a:prstGeom>
+        </p:spPr>
+        <p:style>
+          <a:lnRef idx="2">
+            <a:schemeClr val="accent1">
+              <a:shade val="50000"/>
+            </a:schemeClr>
+          </a:lnRef>
+          <a:fillRef idx="1">
+            <a:schemeClr val="accent1"/>
+          </a:fillRef>
+          <a:effectRef idx="0">
+            <a:schemeClr val="accent1"/>
+          </a:effectRef>
+          <a:fontRef idx="minor">
+            <a:schemeClr val="lt1"/>
+          </a:fontRef>
+        </p:style>
+        <p:txBody>
+          <a:bodyPr rtlCol="0" anchor="ctr"/>
+          <a:lstStyle/>
+          <a:p>
+            <a:pPr algn="ctr"/>
+            <a:endParaRPr lang="de-DE"/>
+          </a:p>
+        </p:txBody>
+      </p:sp>
+    </p:spTree>
+    <p:extLst>
+      <p:ext uri="{BB962C8B-B14F-4D97-AF65-F5344CB8AC3E}">
+        <p14:creationId xmlns:p14="http://schemas.microsoft.com/office/powerpoint/2010/main" val="1385355927"/>
+      </p:ext>
+    </p:extLst>
+  </p:cSld>
+  <p:clrMapOvr>
+    <a:masterClrMapping/>
+  </p:clrMapOvr>
+  <p:timing>
+    <p:tnLst>
+      <p:par>
+        <p:cTn id="1" dur="indefinite" restart="never" nodeType="tmRoot">
+          <p:childTnLst>
+            <p:seq concurrent="1" nextAc="seek">
+              <p:cTn id="2" dur="indefinite" nodeType="mainSeq">
+                <p:childTnLst>
+                  <p:par>
+                    <p:cTn id="3" fill="hold">
+                      <p:stCondLst>
+                        <p:cond delay="indefinite"/>
+                      </p:stCondLst>
+                      <p:childTnLst>
+                        <p:par>
+                          <p:cTn id="4" fill="hold">
+                            <p:stCondLst>
+                              <p:cond delay="0"/>
+                            </p:stCondLst>
+                            <p:childTnLst>
+                              <p:par>
+                                <p:cTn id="5" presetID="1" presetClass="entr" presetSubtype="0" fill="hold" grpId="0" nodeType="clickEffect">
+                                  <p:stCondLst>
+                                    <p:cond delay="0"/>
+                                  </p:stCondLst>
+                                  <p:childTnLst>
+                                    <p:set>
+                                      <p:cBhvr>
+                                        <p:cTn id="6" dur="1" fill="hold">
+                                          <p:stCondLst>
+                                            <p:cond delay="0"/>
+                                          </p:stCondLst>
+                                        </p:cTn>
+                                        <p:tgtEl>
+                                          <p:spTgt spid="19"/>
+                                        </p:tgtEl>
+                                        <p:attrNameLst>
+                                          <p:attrName>style.visibility</p:attrName>
+                                        </p:attrNameLst>
+                                      </p:cBhvr>
+                                      <p:to>
+                                        <p:strVal val="visible"/>
+                                      </p:to>
+                                    </p:set>
+                                  </p:childTnLst>
+                                </p:cTn>
+                              </p:par>
+                              <p:par>
+                                <p:cTn id="7" presetID="1" presetClass="entr" presetSubtype="0" fill="hold" grpId="0" nodeType="withEffect">
+                                  <p:stCondLst>
+                                    <p:cond delay="0"/>
+                                  </p:stCondLst>
+                                  <p:childTnLst>
+                                    <p:set>
+                                      <p:cBhvr>
+                                        <p:cTn id="8" dur="1" fill="hold">
+                                          <p:stCondLst>
+                                            <p:cond delay="0"/>
+                                          </p:stCondLst>
+                                        </p:cTn>
+                                        <p:tgtEl>
+                                          <p:spTgt spid="15"/>
+                                        </p:tgtEl>
+                                        <p:attrNameLst>
+                                          <p:attrName>style.visibility</p:attrName>
+                                        </p:attrNameLst>
+                                      </p:cBhvr>
+                                      <p:to>
+                                        <p:strVal val="visible"/>
+                                      </p:to>
+                                    </p:set>
+                                  </p:childTnLst>
+                                </p:cTn>
+                              </p:par>
+                            </p:childTnLst>
+                          </p:cTn>
+                        </p:par>
+                      </p:childTnLst>
+                    </p:cTn>
+                  </p:par>
+                  <p:par>
+                    <p:cTn id="9" fill="hold">
+                      <p:stCondLst>
+                        <p:cond delay="indefinite"/>
+                      </p:stCondLst>
+                      <p:childTnLst>
+                        <p:par>
+                          <p:cTn id="10" fill="hold">
+                            <p:stCondLst>
+                              <p:cond delay="0"/>
+                            </p:stCondLst>
+                            <p:childTnLst>
+                              <p:par>
+                                <p:cTn id="11" presetID="1" presetClass="entr" presetSubtype="0" fill="hold" grpId="0" nodeType="clickEffect">
+                                  <p:stCondLst>
+                                    <p:cond delay="0"/>
+                                  </p:stCondLst>
+                                  <p:childTnLst>
+                                    <p:set>
+                                      <p:cBhvr>
+                                        <p:cTn id="12" dur="1" fill="hold">
+                                          <p:stCondLst>
+                                            <p:cond delay="0"/>
+                                          </p:stCondLst>
+                                        </p:cTn>
+                                        <p:tgtEl>
+                                          <p:spTgt spid="20"/>
+                                        </p:tgtEl>
+                                        <p:attrNameLst>
+                                          <p:attrName>style.visibility</p:attrName>
+                                        </p:attrNameLst>
+                                      </p:cBhvr>
+                                      <p:to>
+                                        <p:strVal val="visible"/>
+                                      </p:to>
+                                    </p:set>
+                                  </p:childTnLst>
+                                </p:cTn>
+                              </p:par>
+                              <p:par>
+                                <p:cTn id="13" presetID="1" presetClass="entr" presetSubtype="0" fill="hold" grpId="0" nodeType="withEffect">
+                                  <p:stCondLst>
+                                    <p:cond delay="0"/>
+                                  </p:stCondLst>
+                                  <p:childTnLst>
+                                    <p:set>
+                                      <p:cBhvr>
+                                        <p:cTn id="14" dur="1" fill="hold">
+                                          <p:stCondLst>
+                                            <p:cond delay="0"/>
+                                          </p:stCondLst>
+                                        </p:cTn>
+                                        <p:tgtEl>
+                                          <p:spTgt spid="9"/>
+                                        </p:tgtEl>
+                                        <p:attrNameLst>
+                                          <p:attrName>style.visibility</p:attrName>
+                                        </p:attrNameLst>
+                                      </p:cBhvr>
+                                      <p:to>
+                                        <p:strVal val="visible"/>
+                                      </p:to>
+                                    </p:set>
+                                  </p:childTnLst>
+                                </p:cTn>
+                              </p:par>
+                            </p:childTnLst>
+                          </p:cTn>
+                        </p:par>
+                      </p:childTnLst>
+                    </p:cTn>
+                  </p:par>
+                  <p:par>
+                    <p:cTn id="15" fill="hold">
+                      <p:stCondLst>
+                        <p:cond delay="indefinite"/>
+                      </p:stCondLst>
+                      <p:childTnLst>
+                        <p:par>
+                          <p:cTn id="16" fill="hold">
+                            <p:stCondLst>
+                              <p:cond delay="0"/>
+                            </p:stCondLst>
+                            <p:childTnLst>
+                              <p:par>
+                                <p:cTn id="17" presetID="1" presetClass="entr" presetSubtype="0" fill="hold" grpId="0" nodeType="clickEffect">
+                                  <p:stCondLst>
+                                    <p:cond delay="0"/>
+                                  </p:stCondLst>
+                                  <p:childTnLst>
+                                    <p:set>
+                                      <p:cBhvr>
+                                        <p:cTn id="18" dur="1" fill="hold">
+                                          <p:stCondLst>
+                                            <p:cond delay="0"/>
+                                          </p:stCondLst>
+                                        </p:cTn>
+                                        <p:tgtEl>
+                                          <p:spTgt spid="21"/>
+                                        </p:tgtEl>
+                                        <p:attrNameLst>
+                                          <p:attrName>style.visibility</p:attrName>
+                                        </p:attrNameLst>
+                                      </p:cBhvr>
+                                      <p:to>
+                                        <p:strVal val="visible"/>
+                                      </p:to>
+                                    </p:set>
+                                  </p:childTnLst>
+                                </p:cTn>
+                              </p:par>
+                              <p:par>
+                                <p:cTn id="19" presetID="1" presetClass="entr" presetSubtype="0" fill="hold" grpId="0" nodeType="withEffect">
+                                  <p:stCondLst>
+                                    <p:cond delay="0"/>
+                                  </p:stCondLst>
+                                  <p:childTnLst>
+                                    <p:set>
+                                      <p:cBhvr>
+                                        <p:cTn id="20" dur="1" fill="hold">
+                                          <p:stCondLst>
+                                            <p:cond delay="0"/>
+                                          </p:stCondLst>
+                                        </p:cTn>
+                                        <p:tgtEl>
+                                          <p:spTgt spid="11"/>
+                                        </p:tgtEl>
+                                        <p:attrNameLst>
+                                          <p:attrName>style.visibility</p:attrName>
+                                        </p:attrNameLst>
+                                      </p:cBhvr>
+                                      <p:to>
+                                        <p:strVal val="visible"/>
+                                      </p:to>
+                                    </p:set>
+                                  </p:childTnLst>
+                                </p:cTn>
+                              </p:par>
+                            </p:childTnLst>
+                          </p:cTn>
+                        </p:par>
+                      </p:childTnLst>
+                    </p:cTn>
+                  </p:par>
+                  <p:par>
+                    <p:cTn id="21" fill="hold">
+                      <p:stCondLst>
+                        <p:cond delay="indefinite"/>
+                      </p:stCondLst>
+                      <p:childTnLst>
+                        <p:par>
+                          <p:cTn id="22" fill="hold">
+                            <p:stCondLst>
+                              <p:cond delay="0"/>
+                            </p:stCondLst>
+                            <p:childTnLst>
+                              <p:par>
+                                <p:cTn id="23" presetID="1" presetClass="entr" presetSubtype="0" fill="hold" grpId="0" nodeType="clickEffect">
+                                  <p:stCondLst>
+                                    <p:cond delay="0"/>
+                                  </p:stCondLst>
+                                  <p:childTnLst>
+                                    <p:set>
+                                      <p:cBhvr>
+                                        <p:cTn id="24" dur="1" fill="hold">
+                                          <p:stCondLst>
+                                            <p:cond delay="0"/>
+                                          </p:stCondLst>
+                                        </p:cTn>
+                                        <p:tgtEl>
+                                          <p:spTgt spid="22"/>
+                                        </p:tgtEl>
+                                        <p:attrNameLst>
+                                          <p:attrName>style.visibility</p:attrName>
+                                        </p:attrNameLst>
+                                      </p:cBhvr>
+                                      <p:to>
+                                        <p:strVal val="visible"/>
+                                      </p:to>
+                                    </p:set>
+                                  </p:childTnLst>
+                                </p:cTn>
+                              </p:par>
+                              <p:par>
+                                <p:cTn id="25" presetID="1" presetClass="entr" presetSubtype="0" fill="hold" grpId="0" nodeType="withEffect">
+                                  <p:stCondLst>
+                                    <p:cond delay="0"/>
+                                  </p:stCondLst>
+                                  <p:childTnLst>
+                                    <p:set>
+                                      <p:cBhvr>
+                                        <p:cTn id="26" dur="1" fill="hold">
+                                          <p:stCondLst>
+                                            <p:cond delay="0"/>
+                                          </p:stCondLst>
+                                        </p:cTn>
+                                        <p:tgtEl>
+                                          <p:spTgt spid="13"/>
+                                        </p:tgtEl>
+                                        <p:attrNameLst>
+                                          <p:attrName>style.visibility</p:attrName>
+                                        </p:attrNameLst>
+                                      </p:cBhvr>
+                                      <p:to>
+                                        <p:strVal val="visible"/>
+                                      </p:to>
+                                    </p:set>
+                                  </p:childTnLst>
+                                </p:cTn>
+                              </p:par>
+                            </p:childTnLst>
+                          </p:cTn>
+                        </p:par>
+                      </p:childTnLst>
+                    </p:cTn>
+                  </p:par>
+                  <p:par>
+                    <p:cTn id="27" fill="hold">
+                      <p:stCondLst>
+                        <p:cond delay="indefinite"/>
+                      </p:stCondLst>
+                      <p:childTnLst>
+                        <p:par>
+                          <p:cTn id="28" fill="hold">
+                            <p:stCondLst>
+                              <p:cond delay="0"/>
+                            </p:stCondLst>
+                            <p:childTnLst>
+                              <p:par>
+                                <p:cTn id="29" presetID="1" presetClass="entr" presetSubtype="0" fill="hold" grpId="0" nodeType="clickEffect">
+                                  <p:stCondLst>
+                                    <p:cond delay="0"/>
+                                  </p:stCondLst>
+                                  <p:childTnLst>
+                                    <p:set>
+                                      <p:cBhvr>
+                                        <p:cTn id="30" dur="1" fill="hold">
+                                          <p:stCondLst>
+                                            <p:cond delay="0"/>
+                                          </p:stCondLst>
+                                        </p:cTn>
+                                        <p:tgtEl>
+                                          <p:spTgt spid="23"/>
+                                        </p:tgtEl>
+                                        <p:attrNameLst>
+                                          <p:attrName>style.visibility</p:attrName>
+                                        </p:attrNameLst>
+                                      </p:cBhvr>
+                                      <p:to>
+                                        <p:strVal val="visible"/>
+                                      </p:to>
+                                    </p:set>
+                                  </p:childTnLst>
+                                </p:cTn>
+                              </p:par>
+                              <p:par>
+                                <p:cTn id="31" presetID="1" presetClass="entr" presetSubtype="0" fill="hold" grpId="0" nodeType="withEffect">
+                                  <p:stCondLst>
+                                    <p:cond delay="0"/>
+                                  </p:stCondLst>
+                                  <p:childTnLst>
+                                    <p:set>
+                                      <p:cBhvr>
+                                        <p:cTn id="32" dur="1" fill="hold">
+                                          <p:stCondLst>
+                                            <p:cond delay="0"/>
+                                          </p:stCondLst>
+                                        </p:cTn>
+                                        <p:tgtEl>
+                                          <p:spTgt spid="17"/>
+                                        </p:tgtEl>
+                                        <p:attrNameLst>
+                                          <p:attrName>style.visibility</p:attrName>
+                                        </p:attrNameLst>
+                                      </p:cBhvr>
+                                      <p:to>
+                                        <p:strVal val="visible"/>
+                                      </p:to>
+                                    </p:set>
+                                  </p:childTnLst>
+                                </p:cTn>
+                              </p:par>
+                            </p:childTnLst>
+                          </p:cTn>
+                        </p:par>
+                      </p:childTnLst>
+                    </p:cTn>
+                  </p:par>
+                </p:childTnLst>
+              </p:cTn>
+              <p:prevCondLst>
+                <p:cond evt="onPrev" delay="0">
+                  <p:tgtEl>
+                    <p:sldTgt/>
+                  </p:tgtEl>
+                </p:cond>
+              </p:prevCondLst>
+              <p:nextCondLst>
+                <p:cond evt="onNext" delay="0">
+                  <p:tgtEl>
+                    <p:sldTgt/>
+                  </p:tgtEl>
+                </p:cond>
+              </p:nextCondLst>
+            </p:seq>
+          </p:childTnLst>
+        </p:cTn>
+      </p:par>
+    </p:tnLst>
+    <p:bldLst>
+      <p:bldP spid="9" grpId="0"/>
+      <p:bldP spid="11" grpId="0"/>
+      <p:bldP spid="13" grpId="0"/>
+      <p:bldP spid="15" grpId="0"/>
+      <p:bldP spid="17" grpId="0"/>
+      <p:bldP spid="19" grpId="0" animBg="1"/>
+      <p:bldP spid="20" grpId="0" animBg="1"/>
+      <p:bldP spid="21" grpId="0" animBg="1"/>
+      <p:bldP spid="22" grpId="0" animBg="1"/>
+      <p:bldP spid="23" grpId="0" animBg="1"/>
+    </p:bldLst>
+  </p:timing>
+</p:sld>
+</file>
+
+<file path=ppt/slides/slide9.xml><?xml version="1.0" encoding="utf-8"?>
+<p:sld xmlns:a="http://schemas.openxmlformats.org/drawingml/2006/main" xmlns:r="http://schemas.openxmlformats.org/officeDocument/2006/relationships" xmlns:p="http://schemas.openxmlformats.org/presentationml/2006/main" show="0">
+  <p:cSld>
+    <p:spTree>
+      <p:nvGrpSpPr>
+        <p:cNvPr id="1" name=""/>
+        <p:cNvGrpSpPr/>
+        <p:nvPr/>
+      </p:nvGrpSpPr>
+      <p:grpSpPr>
+        <a:xfrm>
+          <a:off x="0" y="0"/>
+          <a:ext cx="0" cy="0"/>
+          <a:chOff x="0" y="0"/>
+          <a:chExt cx="0" cy="0"/>
+        </a:xfrm>
+      </p:grpSpPr>
+      <p:sp>
+        <p:nvSpPr>
+          <p:cNvPr id="2" name="Titel 1">
+            <a:extLst>
+              <a:ext uri="{FF2B5EF4-FFF2-40B4-BE49-F238E27FC236}">
                 <a16:creationId xmlns:a16="http://schemas.microsoft.com/office/drawing/2014/main" id="{495EBDE0-27B0-4915-9E9B-5F1C59BD0571}"/>
               </a:ext>
             </a:extLst>
@@ -4359,7 +6717,7 @@
           <a:p>
             <a:r>
               <a:rPr lang="de-DE" dirty="0"/>
-              <a:t>Aktivitätsdiagramm Login</a:t>
+              <a:t>AKTIVITÄTSDIAGRAMM: LOGIN</a:t>
             </a:r>
           </a:p>
         </p:txBody>
@@ -4380,20 +6738,20 @@
             <p:ph idx="1"/>
             <p:extLst>
               <p:ext uri="{D42A27DB-BD31-4B8C-83A1-F6EECF244321}">
-                <p14:modId xmlns:p14="http://schemas.microsoft.com/office/powerpoint/2010/main" val="3646654763"/>
+                <p14:modId xmlns:p14="http://schemas.microsoft.com/office/powerpoint/2010/main" val="1455854217"/>
               </p:ext>
             </p:extLst>
           </p:nvPr>
         </p:nvGraphicFramePr>
         <p:xfrm>
-          <a:off x="3007360" y="-2198400"/>
+          <a:off x="1588135" y="1377958"/>
           <a:ext cx="7945120" cy="11389295"/>
         </p:xfrm>
         <a:graphic>
           <a:graphicData uri="http://schemas.openxmlformats.org/presentationml/2006/ole">
             <mc:AlternateContent xmlns:mc="http://schemas.openxmlformats.org/markup-compatibility/2006">
               <mc:Choice xmlns:v="urn:schemas-microsoft-com:vml" Requires="v">
-                <p:oleObj spid="_x0000_s1027" name="Acrobat Document" r:id="rId3" imgW="4396696" imgH="6286368" progId="AcroExch.Document.DC">
+                <p:oleObj spid="_x0000_s1077" name="Acrobat Document" r:id="rId3" imgW="4396696" imgH="6286368" progId="AcroExch.Document.DC">
                   <p:embed/>
                 </p:oleObj>
               </mc:Choice>
@@ -4414,7 +6772,7 @@
                     </p:blipFill>
                     <p:spPr>
                       <a:xfrm>
-                        <a:off x="3007360" y="-2198400"/>
+                        <a:off x="1588135" y="1377958"/>
                         <a:ext cx="7945120" cy="11389295"/>
                       </a:xfrm>
                       <a:prstGeom prst="rect">
@@ -4441,269 +6799,10 @@
 </p:sld>
 </file>
 
-<file path=ppt/slides/slide7.xml><?xml version="1.0" encoding="utf-8"?>
-<p:sld xmlns:a="http://schemas.openxmlformats.org/drawingml/2006/main" xmlns:r="http://schemas.openxmlformats.org/officeDocument/2006/relationships" xmlns:p="http://schemas.openxmlformats.org/presentationml/2006/main">
-  <p:cSld>
-    <p:spTree>
-      <p:nvGrpSpPr>
-        <p:cNvPr id="1" name=""/>
-        <p:cNvGrpSpPr/>
-        <p:nvPr/>
-      </p:nvGrpSpPr>
-      <p:grpSpPr>
-        <a:xfrm>
-          <a:off x="0" y="0"/>
-          <a:ext cx="0" cy="0"/>
-          <a:chOff x="0" y="0"/>
-          <a:chExt cx="0" cy="0"/>
-        </a:xfrm>
-      </p:grpSpPr>
-      <p:sp>
-        <p:nvSpPr>
-          <p:cNvPr id="2" name="Titel 1">
-            <a:extLst>
-              <a:ext uri="{FF2B5EF4-FFF2-40B4-BE49-F238E27FC236}">
-                <a16:creationId xmlns:a16="http://schemas.microsoft.com/office/drawing/2014/main" id="{7B79B403-E9C4-449F-8689-21EB96322FD1}"/>
-              </a:ext>
-            </a:extLst>
-          </p:cNvPr>
-          <p:cNvSpPr>
-            <a:spLocks noGrp="1"/>
-          </p:cNvSpPr>
-          <p:nvPr>
-            <p:ph type="title"/>
-          </p:nvPr>
-        </p:nvSpPr>
-        <p:spPr/>
-        <p:txBody>
-          <a:bodyPr/>
-          <a:lstStyle/>
-          <a:p>
-            <a:r>
-              <a:rPr lang="de-DE" dirty="0"/>
-              <a:t>Aktivitätsdiagramm </a:t>
-            </a:r>
-            <a:r>
-              <a:rPr lang="de-DE" dirty="0" err="1"/>
-              <a:t>CreateCard</a:t>
-            </a:r>
-            <a:endParaRPr lang="de-DE" dirty="0"/>
-          </a:p>
-        </p:txBody>
-      </p:sp>
-      <p:sp>
-        <p:nvSpPr>
-          <p:cNvPr id="3" name="Inhaltsplatzhalter 2">
-            <a:extLst>
-              <a:ext uri="{FF2B5EF4-FFF2-40B4-BE49-F238E27FC236}">
-                <a16:creationId xmlns:a16="http://schemas.microsoft.com/office/drawing/2014/main" id="{303161C2-498E-4D0B-8FA6-7EED122BDD5A}"/>
-              </a:ext>
-            </a:extLst>
-          </p:cNvPr>
-          <p:cNvSpPr>
-            <a:spLocks noGrp="1"/>
-          </p:cNvSpPr>
-          <p:nvPr>
-            <p:ph idx="1"/>
-          </p:nvPr>
-        </p:nvSpPr>
-        <p:spPr/>
-        <p:txBody>
-          <a:bodyPr/>
-          <a:lstStyle/>
-          <a:p>
-            <a:endParaRPr lang="de-DE"/>
-          </a:p>
-        </p:txBody>
-      </p:sp>
-    </p:spTree>
-    <p:extLst>
-      <p:ext uri="{BB962C8B-B14F-4D97-AF65-F5344CB8AC3E}">
-        <p14:creationId xmlns:p14="http://schemas.microsoft.com/office/powerpoint/2010/main" val="1896528826"/>
-      </p:ext>
-    </p:extLst>
-  </p:cSld>
-  <p:clrMapOvr>
-    <a:masterClrMapping/>
-  </p:clrMapOvr>
-</p:sld>
-</file>
-
-<file path=ppt/slides/slide8.xml><?xml version="1.0" encoding="utf-8"?>
-<p:sld xmlns:a="http://schemas.openxmlformats.org/drawingml/2006/main" xmlns:r="http://schemas.openxmlformats.org/officeDocument/2006/relationships" xmlns:p="http://schemas.openxmlformats.org/presentationml/2006/main">
-  <p:cSld>
-    <p:spTree>
-      <p:nvGrpSpPr>
-        <p:cNvPr id="1" name=""/>
-        <p:cNvGrpSpPr/>
-        <p:nvPr/>
-      </p:nvGrpSpPr>
-      <p:grpSpPr>
-        <a:xfrm>
-          <a:off x="0" y="0"/>
-          <a:ext cx="0" cy="0"/>
-          <a:chOff x="0" y="0"/>
-          <a:chExt cx="0" cy="0"/>
-        </a:xfrm>
-      </p:grpSpPr>
-      <p:sp>
-        <p:nvSpPr>
-          <p:cNvPr id="2" name="Titel 1">
-            <a:extLst>
-              <a:ext uri="{FF2B5EF4-FFF2-40B4-BE49-F238E27FC236}">
-                <a16:creationId xmlns:a16="http://schemas.microsoft.com/office/drawing/2014/main" id="{C7A8CD23-5B02-4B5A-A597-F4B2722E132A}"/>
-              </a:ext>
-            </a:extLst>
-          </p:cNvPr>
-          <p:cNvSpPr>
-            <a:spLocks noGrp="1"/>
-          </p:cNvSpPr>
-          <p:nvPr>
-            <p:ph type="title"/>
-          </p:nvPr>
-        </p:nvSpPr>
-        <p:spPr/>
-        <p:txBody>
-          <a:bodyPr/>
-          <a:lstStyle/>
-          <a:p>
-            <a:r>
-              <a:rPr lang="de-DE" dirty="0"/>
-              <a:t>Sequenzdiagramm Login</a:t>
-            </a:r>
-          </a:p>
-        </p:txBody>
-      </p:sp>
-      <p:sp>
-        <p:nvSpPr>
-          <p:cNvPr id="3" name="Inhaltsplatzhalter 2">
-            <a:extLst>
-              <a:ext uri="{FF2B5EF4-FFF2-40B4-BE49-F238E27FC236}">
-                <a16:creationId xmlns:a16="http://schemas.microsoft.com/office/drawing/2014/main" id="{55B2D2FF-9946-4896-AC8E-D3BC78E6AF39}"/>
-              </a:ext>
-            </a:extLst>
-          </p:cNvPr>
-          <p:cNvSpPr>
-            <a:spLocks noGrp="1"/>
-          </p:cNvSpPr>
-          <p:nvPr>
-            <p:ph idx="1"/>
-          </p:nvPr>
-        </p:nvSpPr>
-        <p:spPr/>
-        <p:txBody>
-          <a:bodyPr/>
-          <a:lstStyle/>
-          <a:p>
-            <a:endParaRPr lang="de-DE"/>
-          </a:p>
-        </p:txBody>
-      </p:sp>
-    </p:spTree>
-    <p:extLst>
-      <p:ext uri="{BB962C8B-B14F-4D97-AF65-F5344CB8AC3E}">
-        <p14:creationId xmlns:p14="http://schemas.microsoft.com/office/powerpoint/2010/main" val="50314300"/>
-      </p:ext>
-    </p:extLst>
-  </p:cSld>
-  <p:clrMapOvr>
-    <a:masterClrMapping/>
-  </p:clrMapOvr>
-</p:sld>
-</file>
-
-<file path=ppt/slides/slide9.xml><?xml version="1.0" encoding="utf-8"?>
-<p:sld xmlns:a="http://schemas.openxmlformats.org/drawingml/2006/main" xmlns:r="http://schemas.openxmlformats.org/officeDocument/2006/relationships" xmlns:p="http://schemas.openxmlformats.org/presentationml/2006/main">
-  <p:cSld>
-    <p:spTree>
-      <p:nvGrpSpPr>
-        <p:cNvPr id="1" name=""/>
-        <p:cNvGrpSpPr/>
-        <p:nvPr/>
-      </p:nvGrpSpPr>
-      <p:grpSpPr>
-        <a:xfrm>
-          <a:off x="0" y="0"/>
-          <a:ext cx="0" cy="0"/>
-          <a:chOff x="0" y="0"/>
-          <a:chExt cx="0" cy="0"/>
-        </a:xfrm>
-      </p:grpSpPr>
-      <p:sp>
-        <p:nvSpPr>
-          <p:cNvPr id="2" name="Titel 1">
-            <a:extLst>
-              <a:ext uri="{FF2B5EF4-FFF2-40B4-BE49-F238E27FC236}">
-                <a16:creationId xmlns:a16="http://schemas.microsoft.com/office/drawing/2014/main" id="{45A67000-D235-4ABB-BF6A-6973883E9DDB}"/>
-              </a:ext>
-            </a:extLst>
-          </p:cNvPr>
-          <p:cNvSpPr>
-            <a:spLocks noGrp="1"/>
-          </p:cNvSpPr>
-          <p:nvPr>
-            <p:ph type="title"/>
-          </p:nvPr>
-        </p:nvSpPr>
-        <p:spPr/>
-        <p:txBody>
-          <a:bodyPr/>
-          <a:lstStyle/>
-          <a:p>
-            <a:r>
-              <a:rPr lang="de-DE" dirty="0"/>
-              <a:t>Sequenzdiagramm </a:t>
-            </a:r>
-            <a:r>
-              <a:rPr lang="de-DE" dirty="0" err="1"/>
-              <a:t>CreateCard</a:t>
-            </a:r>
-            <a:endParaRPr lang="de-DE" dirty="0"/>
-          </a:p>
-        </p:txBody>
-      </p:sp>
-      <p:sp>
-        <p:nvSpPr>
-          <p:cNvPr id="3" name="Inhaltsplatzhalter 2">
-            <a:extLst>
-              <a:ext uri="{FF2B5EF4-FFF2-40B4-BE49-F238E27FC236}">
-                <a16:creationId xmlns:a16="http://schemas.microsoft.com/office/drawing/2014/main" id="{FF6FE7BB-C052-489E-96A8-ABE8AB58C829}"/>
-              </a:ext>
-            </a:extLst>
-          </p:cNvPr>
-          <p:cNvSpPr>
-            <a:spLocks noGrp="1"/>
-          </p:cNvSpPr>
-          <p:nvPr>
-            <p:ph idx="1"/>
-          </p:nvPr>
-        </p:nvSpPr>
-        <p:spPr/>
-        <p:txBody>
-          <a:bodyPr/>
-          <a:lstStyle/>
-          <a:p>
-            <a:endParaRPr lang="de-DE"/>
-          </a:p>
-        </p:txBody>
-      </p:sp>
-    </p:spTree>
-    <p:extLst>
-      <p:ext uri="{BB962C8B-B14F-4D97-AF65-F5344CB8AC3E}">
-        <p14:creationId xmlns:p14="http://schemas.microsoft.com/office/powerpoint/2010/main" val="4285127562"/>
-      </p:ext>
-    </p:extLst>
-  </p:cSld>
-  <p:clrMapOvr>
-    <a:masterClrMapping/>
-  </p:clrMapOvr>
-</p:sld>
-</file>
-
 <file path=ppt/theme/theme1.xml><?xml version="1.0" encoding="utf-8"?>
 <a:theme xmlns:a="http://schemas.openxmlformats.org/drawingml/2006/main" name="Office">
   <a:themeElements>
-    <a:clrScheme name="Office">
+    <a:clrScheme name="Benutzerdefiniert 1">
       <a:dk1>
         <a:sysClr val="windowText" lastClr="000000"/>
       </a:dk1>
@@ -4717,7 +6816,7 @@
         <a:srgbClr val="E7E6E6"/>
       </a:lt2>
       <a:accent1>
-        <a:srgbClr val="4472C4"/>
+        <a:srgbClr val="7030A0"/>
       </a:accent1>
       <a:accent2>
         <a:srgbClr val="ED7D31"/>
@@ -4996,6 +7095,21 @@
 </file>
 
 <file path=customXml/item1.xml><?xml version="1.0" encoding="utf-8"?>
+<p:properties xmlns:p="http://schemas.microsoft.com/office/2006/metadata/properties" xmlns:xsi="http://www.w3.org/2001/XMLSchema-instance" xmlns:pc="http://schemas.microsoft.com/office/infopath/2007/PartnerControls">
+  <documentManagement/>
+</p:properties>
+</file>
+
+<file path=customXml/item2.xml><?xml version="1.0" encoding="utf-8"?>
+<?mso-contentType ?>
+<FormTemplates xmlns="http://schemas.microsoft.com/sharepoint/v3/contenttype/forms">
+  <Display>DocumentLibraryForm</Display>
+  <Edit>DocumentLibraryForm</Edit>
+  <New>DocumentLibraryForm</New>
+</FormTemplates>
+</file>
+
+<file path=customXml/item3.xml><?xml version="1.0" encoding="utf-8"?>
 <ct:contentTypeSchema xmlns:ct="http://schemas.microsoft.com/office/2006/metadata/contentType" xmlns:ma="http://schemas.microsoft.com/office/2006/metadata/properties/metaAttributes" ct:_="" ma:_="" ma:contentTypeName="Document" ma:contentTypeID="0x0101002C1F568233DC2D47B2D88B955092CE78" ma:contentTypeVersion="10" ma:contentTypeDescription="Create a new document." ma:contentTypeScope="" ma:versionID="d508781073e7bb7151c4e618f8fef285">
   <xsd:schema xmlns:xsd="http://www.w3.org/2001/XMLSchema" xmlns:xs="http://www.w3.org/2001/XMLSchema" xmlns:p="http://schemas.microsoft.com/office/2006/metadata/properties" xmlns:ns3="e7d0794c-64e4-4afd-aaee-1ea174578c2f" xmlns:ns4="b8fef51c-ca52-45d5-842a-5a4a836da343" targetNamespace="http://schemas.microsoft.com/office/2006/metadata/properties" ma:root="true" ma:fieldsID="7d9f500a3bc3717612d0292ae5b985d8" ns3:_="" ns4:_="">
     <xsd:import namespace="e7d0794c-64e4-4afd-aaee-1ea174578c2f"/>
@@ -5198,22 +7312,32 @@
 </ct:contentTypeSchema>
 </file>
 
-<file path=customXml/item2.xml><?xml version="1.0" encoding="utf-8"?>
-<?mso-contentType ?>
-<FormTemplates xmlns="http://schemas.microsoft.com/sharepoint/v3/contenttype/forms">
-  <Display>DocumentLibraryForm</Display>
-  <Edit>DocumentLibraryForm</Edit>
-  <New>DocumentLibraryForm</New>
-</FormTemplates>
+<file path=customXml/itemProps1.xml><?xml version="1.0" encoding="utf-8"?>
+<ds:datastoreItem xmlns:ds="http://schemas.openxmlformats.org/officeDocument/2006/customXml" ds:itemID="{9FF22A67-6635-43EC-9877-D093952A3F46}">
+  <ds:schemaRefs>
+    <ds:schemaRef ds:uri="http://schemas.microsoft.com/office/2006/documentManagement/types"/>
+    <ds:schemaRef ds:uri="b8fef51c-ca52-45d5-842a-5a4a836da343"/>
+    <ds:schemaRef ds:uri="e7d0794c-64e4-4afd-aaee-1ea174578c2f"/>
+    <ds:schemaRef ds:uri="http://purl.org/dc/elements/1.1/"/>
+    <ds:schemaRef ds:uri="http://schemas.microsoft.com/office/2006/metadata/properties"/>
+    <ds:schemaRef ds:uri="http://schemas.microsoft.com/office/infopath/2007/PartnerControls"/>
+    <ds:schemaRef ds:uri="http://purl.org/dc/terms/"/>
+    <ds:schemaRef ds:uri="http://purl.org/dc/dcmitype/"/>
+    <ds:schemaRef ds:uri="http://schemas.openxmlformats.org/package/2006/metadata/core-properties"/>
+    <ds:schemaRef ds:uri="http://www.w3.org/XML/1998/namespace"/>
+  </ds:schemaRefs>
+</ds:datastoreItem>
 </file>
 
-<file path=customXml/item3.xml><?xml version="1.0" encoding="utf-8"?>
-<p:properties xmlns:p="http://schemas.microsoft.com/office/2006/metadata/properties" xmlns:xsi="http://www.w3.org/2001/XMLSchema-instance" xmlns:pc="http://schemas.microsoft.com/office/infopath/2007/PartnerControls">
-  <documentManagement/>
-</p:properties>
+<file path=customXml/itemProps2.xml><?xml version="1.0" encoding="utf-8"?>
+<ds:datastoreItem xmlns:ds="http://schemas.openxmlformats.org/officeDocument/2006/customXml" ds:itemID="{DEFC03C0-E4C6-42EE-9D72-FEC5841115BE}">
+  <ds:schemaRefs>
+    <ds:schemaRef ds:uri="http://schemas.microsoft.com/sharepoint/v3/contenttype/forms"/>
+  </ds:schemaRefs>
+</ds:datastoreItem>
 </file>
 
-<file path=customXml/itemProps1.xml><?xml version="1.0" encoding="utf-8"?>
+<file path=customXml/itemProps3.xml><?xml version="1.0" encoding="utf-8"?>
 <ds:datastoreItem xmlns:ds="http://schemas.openxmlformats.org/officeDocument/2006/customXml" ds:itemID="{9797F123-BA78-4825-8B72-BFC2CCB43CC6}">
   <ds:schemaRefs>
     <ds:schemaRef ds:uri="http://schemas.microsoft.com/office/2006/metadata/contentType"/>
@@ -5230,29 +7354,4 @@
     <ds:schemaRef ds:uri="http://schemas.microsoft.com/internal/obd"/>
   </ds:schemaRefs>
 </ds:datastoreItem>
-</file>
-
-<file path=customXml/itemProps2.xml><?xml version="1.0" encoding="utf-8"?>
-<ds:datastoreItem xmlns:ds="http://schemas.openxmlformats.org/officeDocument/2006/customXml" ds:itemID="{DEFC03C0-E4C6-42EE-9D72-FEC5841115BE}">
-  <ds:schemaRefs>
-    <ds:schemaRef ds:uri="http://schemas.microsoft.com/sharepoint/v3/contenttype/forms"/>
-  </ds:schemaRefs>
-</ds:datastoreItem>
-</file>
-
-<file path=customXml/itemProps3.xml><?xml version="1.0" encoding="utf-8"?>
-<ds:datastoreItem xmlns:ds="http://schemas.openxmlformats.org/officeDocument/2006/customXml" ds:itemID="{9FF22A67-6635-43EC-9877-D093952A3F46}">
-  <ds:schemaRefs>
-    <ds:schemaRef ds:uri="http://schemas.microsoft.com/office/2006/documentManagement/types"/>
-    <ds:schemaRef ds:uri="b8fef51c-ca52-45d5-842a-5a4a836da343"/>
-    <ds:schemaRef ds:uri="e7d0794c-64e4-4afd-aaee-1ea174578c2f"/>
-    <ds:schemaRef ds:uri="http://purl.org/dc/elements/1.1/"/>
-    <ds:schemaRef ds:uri="http://schemas.microsoft.com/office/2006/metadata/properties"/>
-    <ds:schemaRef ds:uri="http://schemas.microsoft.com/office/infopath/2007/PartnerControls"/>
-    <ds:schemaRef ds:uri="http://purl.org/dc/terms/"/>
-    <ds:schemaRef ds:uri="http://purl.org/dc/dcmitype/"/>
-    <ds:schemaRef ds:uri="http://schemas.openxmlformats.org/package/2006/metadata/core-properties"/>
-    <ds:schemaRef ds:uri="http://www.w3.org/XML/1998/namespace"/>
-  </ds:schemaRefs>
-</ds:datastoreItem>
 </file>